--- a/project1_presentation.pptx
+++ b/project1_presentation.pptx
@@ -9373,12 +9373,12 @@
               <a:t>Predicting the </a:t>
             </a:r>
             <a:r>
-              <a:rPr lang="en-US" sz="1800" dirty="0" err="1" smtClean="0"/>
-              <a:t>WineEnthusiast</a:t>
-            </a:r>
-            <a:r>
               <a:rPr lang="en-US" sz="1800" dirty="0" smtClean="0"/>
-              <a:t> Ratings  (</a:t>
+              <a:t>Wine Enthusiast </a:t>
+            </a:r>
+            <a:r>
+              <a:rPr lang="en-US" sz="1800" dirty="0" smtClean="0"/>
+              <a:t>Ratings  (</a:t>
             </a:r>
             <a:r>
               <a:rPr lang="en-US" sz="1800" dirty="0" err="1" smtClean="0"/>
@@ -9456,7 +9456,7 @@
             </a:r>
             <a:r>
               <a:rPr lang="en-US" dirty="0" smtClean="0"/>
-              <a:t> model</a:t>
+              <a:t> model (over validation set)</a:t>
             </a:r>
             <a:endParaRPr lang="en-US" dirty="0"/>
           </a:p>
@@ -9538,7 +9538,7 @@
         </p:spPr>
         <p:txBody>
           <a:bodyPr vert="horz" lIns="91440" tIns="45720" rIns="91440" bIns="45720" rtlCol="0">
-            <a:normAutofit fontScale="77500" lnSpcReduction="20000"/>
+            <a:normAutofit fontScale="85000" lnSpcReduction="10000"/>
           </a:bodyPr>
           <a:lstStyle>
             <a:lvl1pPr marL="454025" indent="-454025" algn="l" defTabSz="914400" rtl="0" eaLnBrk="1" latinLnBrk="0" hangingPunct="1">
@@ -9797,7 +9797,19 @@
               <a:rPr lang="en-US" dirty="0" smtClean="0">
                 <a:sym typeface="Wingdings"/>
               </a:rPr>
-              <a:t>yield R^2 of 0.45</a:t>
+              <a:t>yield R</a:t>
+            </a:r>
+            <a:r>
+              <a:rPr lang="en-US" baseline="30000" dirty="0" smtClean="0">
+                <a:sym typeface="Wingdings"/>
+              </a:rPr>
+              <a:t>2</a:t>
+            </a:r>
+            <a:r>
+              <a:rPr lang="en-US" dirty="0" smtClean="0">
+                <a:sym typeface="Wingdings"/>
+              </a:rPr>
+              <a:t> of 0.45</a:t>
             </a:r>
             <a:endParaRPr lang="en-US" dirty="0" smtClean="0"/>
           </a:p>
@@ -9817,11 +9829,15 @@
             </a:r>
             <a:r>
               <a:rPr lang="en-US" dirty="0" smtClean="0"/>
-              <a:t>negative </a:t>
-            </a:r>
-            <a:r>
-              <a:rPr lang="en-US" dirty="0"/>
-              <a:t>R^2 </a:t>
+              <a:t>negative R</a:t>
+            </a:r>
+            <a:r>
+              <a:rPr lang="en-US" baseline="30000" dirty="0" smtClean="0"/>
+              <a:t>2</a:t>
+            </a:r>
+            <a:r>
+              <a:rPr lang="en-US" dirty="0" smtClean="0"/>
+              <a:t> </a:t>
             </a:r>
             <a:endParaRPr lang="en-US" dirty="0">
               <a:sym typeface="Wingdings"/>
@@ -9834,32 +9850,40 @@
               </a:spcBef>
             </a:pPr>
             <a:r>
+              <a:rPr lang="en-US" dirty="0" smtClean="0">
+                <a:sym typeface="Wingdings"/>
+              </a:rPr>
+              <a:t>Linear </a:t>
+            </a:r>
+            <a:r>
               <a:rPr lang="en-US" dirty="0">
                 <a:sym typeface="Wingdings"/>
               </a:rPr>
-              <a:t>Elastic Net </a:t>
+              <a:t>SVR yields </a:t>
             </a:r>
             <a:r>
               <a:rPr lang="en-US" dirty="0" smtClean="0">
                 <a:sym typeface="Wingdings"/>
               </a:rPr>
-              <a:t>broke down!</a:t>
-            </a:r>
-            <a:endParaRPr lang="en-US" dirty="0">
-              <a:sym typeface="Wingdings"/>
-            </a:endParaRPr>
-          </a:p>
-          <a:p>
-            <a:pPr lvl="1">
-              <a:spcBef>
-                <a:spcPts val="800"/>
-              </a:spcBef>
-            </a:pPr>
+              <a:t>R</a:t>
+            </a:r>
+            <a:r>
+              <a:rPr lang="en-US" baseline="30000" dirty="0" smtClean="0">
+                <a:sym typeface="Wingdings"/>
+              </a:rPr>
+              <a:t>2</a:t>
+            </a:r>
+            <a:r>
+              <a:rPr lang="en-US" dirty="0" smtClean="0">
+                <a:sym typeface="Wingdings"/>
+              </a:rPr>
+              <a:t> </a:t>
+            </a:r>
             <a:r>
               <a:rPr lang="en-US" dirty="0">
                 <a:sym typeface="Wingdings"/>
               </a:rPr>
-              <a:t>Linear SVR yields R^2 of </a:t>
+              <a:t>of </a:t>
             </a:r>
             <a:r>
               <a:rPr lang="en-US" dirty="0" smtClean="0">
@@ -9916,15 +9940,7 @@
             </a:r>
             <a:r>
               <a:rPr lang="en-US" dirty="0" smtClean="0"/>
-              <a:t> </a:t>
-            </a:r>
-            <a:r>
-              <a:rPr lang="en-US" dirty="0"/>
-              <a:t>create a model that predicts the value of a target variable by </a:t>
-            </a:r>
-            <a:r>
-              <a:rPr lang="en-US" dirty="0" smtClean="0"/>
-              <a:t>optimally separating space to fit a regression line.</a:t>
+              <a:t> find a regression line that deviates by at most ‘epsilon’ from the target</a:t>
             </a:r>
             <a:endParaRPr lang="en-US" dirty="0"/>
           </a:p>
@@ -10097,11 +10113,15 @@
             <a:pPr lvl="1"/>
             <a:r>
               <a:rPr lang="en-US" dirty="0" smtClean="0"/>
-              <a:t>(</a:t>
-            </a:r>
-            <a:r>
-              <a:rPr lang="en-US" dirty="0" smtClean="0"/>
-              <a:t>The penalty parameter determines how regulated the SV regression is)</a:t>
+              <a:t>The smaller penalty parameter C is, the higher the regularization of the model</a:t>
+            </a:r>
+            <a:r>
+              <a:rPr lang="en-US" dirty="0"/>
+              <a:t> </a:t>
+            </a:r>
+            <a:r>
+              <a:rPr lang="en-US" dirty="0" smtClean="0"/>
+              <a:t>= protection against over fitting.</a:t>
             </a:r>
             <a:endParaRPr lang="en-US" dirty="0"/>
           </a:p>
@@ -10109,7 +10129,7 @@
       </p:sp>
       <p:pic>
         <p:nvPicPr>
-          <p:cNvPr id="7" name="Picture 6" descr="linear_svc_c_select.png"/>
+          <p:cNvPr id="7" name="Picture 6"/>
           <p:cNvPicPr>
             <a:picLocks noChangeAspect="1"/>
           </p:cNvPicPr>
@@ -10129,8 +10149,8 @@
         </p:blipFill>
         <p:spPr>
           <a:xfrm>
-            <a:off x="166182" y="1401890"/>
-            <a:ext cx="8741309" cy="2448000"/>
+            <a:off x="166182" y="1577899"/>
+            <a:ext cx="8741309" cy="2095982"/>
           </a:xfrm>
           <a:prstGeom prst="rect">
             <a:avLst/>
@@ -10145,7 +10165,7 @@
         </p:nvSpPr>
         <p:spPr>
           <a:xfrm>
-            <a:off x="261143" y="2029509"/>
+            <a:off x="261143" y="2349945"/>
             <a:ext cx="8581672" cy="272975"/>
           </a:xfrm>
           <a:prstGeom prst="rect">
@@ -10189,8 +10209,8 @@
         </p:nvCxnSpPr>
         <p:spPr>
           <a:xfrm flipV="1">
-            <a:off x="6706291" y="2385565"/>
-            <a:ext cx="11870" cy="1305532"/>
+            <a:off x="6706291" y="2729749"/>
+            <a:ext cx="0" cy="961348"/>
           </a:xfrm>
           <a:prstGeom prst="straightConnector1">
             <a:avLst/>
@@ -10345,6 +10365,12 @@
             <a:r>
               <a:rPr lang="en-US" sz="1800" dirty="0" smtClean="0"/>
               <a:t>words</a:t>
+            </a:r>
+          </a:p>
+          <a:p>
+            <a:r>
+              <a:rPr lang="en-US" sz="1800" dirty="0" smtClean="0"/>
+              <a:t>Most predictive words in the wine description show:</a:t>
             </a:r>
             <a:endParaRPr lang="en-US" sz="1800" dirty="0"/>
           </a:p>
@@ -10496,10 +10522,15 @@
             <p:ph type="body" sz="quarter" idx="13"/>
           </p:nvPr>
         </p:nvSpPr>
-        <p:spPr/>
+        <p:spPr>
+          <a:xfrm>
+            <a:off x="418635" y="1501913"/>
+            <a:ext cx="4744617" cy="3235187"/>
+          </a:xfrm>
+        </p:spPr>
         <p:txBody>
           <a:bodyPr>
-            <a:normAutofit/>
+            <a:normAutofit fontScale="85000" lnSpcReduction="10000"/>
           </a:bodyPr>
           <a:lstStyle/>
           <a:p>
@@ -10513,54 +10544,49 @@
             <a:pPr lvl="1"/>
             <a:r>
               <a:rPr lang="en-US" dirty="0" smtClean="0"/>
-              <a:t>Optimal weights = </a:t>
-            </a:r>
-            <a:r>
-              <a:rPr lang="en-US" dirty="0" smtClean="0"/>
-              <a:t>approx. </a:t>
-            </a:r>
-            <a:r>
-              <a:rPr lang="en-US" dirty="0" smtClean="0"/>
-              <a:t>0.8% Model 2 and 0.2% Model 1</a:t>
+              <a:t>Optimal model = average  of approx</a:t>
+            </a:r>
+            <a:r>
+              <a:rPr lang="en-US" dirty="0" smtClean="0"/>
+              <a:t>. </a:t>
+            </a:r>
+            <a:r>
+              <a:rPr lang="en-US" dirty="0" smtClean="0"/>
+              <a:t>20</a:t>
+            </a:r>
+            <a:r>
+              <a:rPr lang="en-US" dirty="0" smtClean="0"/>
+              <a:t>% Model 1 and 80% Model 2</a:t>
             </a:r>
             <a:endParaRPr lang="en-US" dirty="0"/>
           </a:p>
           <a:p>
+            <a:r>
+              <a:rPr lang="en-US" dirty="0" smtClean="0"/>
+              <a:t>Separate </a:t>
+            </a:r>
+            <a:r>
+              <a:rPr lang="en-US" dirty="0" smtClean="0"/>
+              <a:t>two</a:t>
+            </a:r>
+            <a:r>
+              <a:rPr lang="en-US" dirty="0" smtClean="0"/>
+              <a:t> models combined:</a:t>
+            </a:r>
+          </a:p>
+          <a:p>
             <a:pPr lvl="1"/>
             <a:r>
-              <a:rPr lang="en-US" i="1" dirty="0" err="1" smtClean="0"/>
-              <a:t>y_combined</a:t>
-            </a:r>
-            <a:r>
-              <a:rPr lang="en-US" i="1" dirty="0" smtClean="0"/>
-              <a:t> </a:t>
-            </a:r>
-            <a:r>
-              <a:rPr lang="en-US" i="1" dirty="0"/>
-              <a:t>= (1-w) * </a:t>
-            </a:r>
-            <a:r>
-              <a:rPr lang="en-US" i="1" dirty="0" err="1" smtClean="0"/>
-              <a:t>y_pred_test</a:t>
-            </a:r>
-            <a:r>
-              <a:rPr lang="en-US" i="1" dirty="0" smtClean="0"/>
-              <a:t> </a:t>
-            </a:r>
-            <a:r>
-              <a:rPr lang="en-US" i="1" dirty="0"/>
-              <a:t>+ w * </a:t>
-            </a:r>
-            <a:r>
-              <a:rPr lang="en-US" i="1" dirty="0" smtClean="0"/>
-              <a:t>y_pred2_test</a:t>
-            </a:r>
-            <a:endParaRPr lang="en-US" i="1" dirty="0" smtClean="0"/>
-          </a:p>
-          <a:p>
-            <a:r>
-              <a:rPr lang="en-US" dirty="0" smtClean="0"/>
-              <a:t>R^2 Score over test set </a:t>
+              <a:rPr lang="en-US" dirty="0" smtClean="0"/>
+              <a:t>Final R</a:t>
+            </a:r>
+            <a:r>
+              <a:rPr lang="en-US" baseline="30000" dirty="0" smtClean="0"/>
+              <a:t>2</a:t>
+            </a:r>
+            <a:r>
+              <a:rPr lang="en-US" dirty="0" smtClean="0"/>
+              <a:t> Score over test set </a:t>
             </a:r>
             <a:r>
               <a:rPr lang="en-US" dirty="0" smtClean="0"/>
@@ -10576,12 +10602,49 @@
             <a:pPr lvl="1"/>
             <a:r>
               <a:rPr lang="en-US" dirty="0" smtClean="0"/>
-              <a:t>slight increase explanatory power over sub models</a:t>
+              <a:t>slight increase explanatory power</a:t>
+            </a:r>
+          </a:p>
+          <a:p>
+            <a:pPr lvl="1"/>
+            <a:r>
+              <a:rPr lang="en-US" dirty="0" smtClean="0"/>
+              <a:t>Model does good job in approximating the identity line</a:t>
             </a:r>
             <a:endParaRPr lang="en-US" dirty="0" smtClean="0"/>
           </a:p>
         </p:txBody>
       </p:sp>
+      <p:pic>
+        <p:nvPicPr>
+          <p:cNvPr id="6" name="Picture 5" descr="result.png"/>
+          <p:cNvPicPr>
+            <a:picLocks noChangeAspect="1"/>
+          </p:cNvPicPr>
+          <p:nvPr/>
+        </p:nvPicPr>
+        <p:blipFill>
+          <a:blip r:embed="rId2">
+            <a:extLst>
+              <a:ext uri="{28A0092B-C50C-407E-A947-70E740481C1C}">
+                <a14:useLocalDpi xmlns:a14="http://schemas.microsoft.com/office/drawing/2010/main" val="0"/>
+              </a:ext>
+            </a:extLst>
+          </a:blip>
+          <a:stretch>
+            <a:fillRect/>
+          </a:stretch>
+        </p:blipFill>
+        <p:spPr>
+          <a:xfrm>
+            <a:off x="5058194" y="1400480"/>
+            <a:ext cx="3793896" cy="3743020"/>
+          </a:xfrm>
+          <a:prstGeom prst="rect">
+            <a:avLst/>
+          </a:prstGeom>
+        </p:spPr>
+      </p:pic>
     </p:spTree>
     <p:extLst>
       <p:ext uri="{BB962C8B-B14F-4D97-AF65-F5344CB8AC3E}">
@@ -10678,12 +10741,25 @@
         <p:spPr/>
         <p:txBody>
           <a:bodyPr>
-            <a:normAutofit/>
+            <a:normAutofit fontScale="85000" lnSpcReduction="10000"/>
           </a:bodyPr>
           <a:lstStyle/>
           <a:p>
             <a:r>
               <a:rPr lang="en-US" dirty="0" smtClean="0"/>
+              <a:t>Able to built a good predictive model for wine reviews</a:t>
+            </a:r>
+          </a:p>
+          <a:p>
+            <a:pPr lvl="1"/>
+            <a:r>
+              <a:rPr lang="en-US" dirty="0" smtClean="0"/>
+              <a:t>Could be used to extract wine-related sentiment from Twitter tweets</a:t>
+            </a:r>
+          </a:p>
+          <a:p>
+            <a:r>
+              <a:rPr lang="en-US" dirty="0" smtClean="0"/>
               <a:t>Most important factor is feature ‘description’, followed by ‘price’. </a:t>
             </a:r>
           </a:p>
@@ -10695,9 +10771,10 @@
             </a:r>
           </a:p>
           <a:p>
-            <a:r>
-              <a:rPr lang="en-US" dirty="0" smtClean="0"/>
-              <a:t>Origin (feature ‘country’) seems less important.</a:t>
+            <a:pPr lvl="1"/>
+            <a:r>
+              <a:rPr lang="en-US" dirty="0" smtClean="0"/>
+              <a:t>‘country’ (destination of wine) seems less important.</a:t>
             </a:r>
             <a:endParaRPr lang="en-US" dirty="0"/>
           </a:p>
@@ -10711,7 +10788,7 @@
             <a:pPr lvl="1"/>
             <a:r>
               <a:rPr lang="en-US" dirty="0" smtClean="0"/>
-              <a:t>Are wine scores meaningful?</a:t>
+              <a:t>More features / more specific region descriptions</a:t>
             </a:r>
             <a:endParaRPr lang="en-US" dirty="0"/>
           </a:p>
@@ -10831,39 +10908,6 @@
             <a:endParaRPr lang="en-US" dirty="0" smtClean="0">
               <a:sym typeface="Wingdings"/>
             </a:endParaRPr>
-          </a:p>
-          <a:p>
-            <a:r>
-              <a:rPr lang="en-US" dirty="0" err="1" smtClean="0">
-                <a:sym typeface="Wingdings"/>
-              </a:rPr>
-              <a:t>Utilising</a:t>
-            </a:r>
-            <a:r>
-              <a:rPr lang="en-US" dirty="0" smtClean="0">
-                <a:sym typeface="Wingdings"/>
-              </a:rPr>
-              <a:t> of Python’s </a:t>
-            </a:r>
-            <a:r>
-              <a:rPr lang="en-US" dirty="0" err="1" smtClean="0">
-                <a:sym typeface="Wingdings"/>
-              </a:rPr>
-              <a:t>Scikit</a:t>
-            </a:r>
-            <a:r>
-              <a:rPr lang="en-US" dirty="0" smtClean="0">
-                <a:sym typeface="Wingdings"/>
-              </a:rPr>
-              <a:t> Learn </a:t>
-            </a:r>
-            <a:r>
-              <a:rPr lang="en-US" dirty="0" smtClean="0">
-                <a:sym typeface="Wingdings"/>
-              </a:rPr>
-              <a:t>library to built a predictive model</a:t>
-            </a:r>
-            <a:endParaRPr lang="en-US" dirty="0"/>
           </a:p>
         </p:txBody>
       </p:sp>
@@ -11200,7 +11244,15 @@
           <a:p>
             <a:r>
               <a:rPr lang="en-US" sz="1800" dirty="0" smtClean="0"/>
-              <a:t>Data set has been web scraped from the </a:t>
+              <a:t>Data set has been </a:t>
+            </a:r>
+            <a:r>
+              <a:rPr lang="en-US" sz="1800" dirty="0" smtClean="0"/>
+              <a:t>scraped </a:t>
+            </a:r>
+            <a:r>
+              <a:rPr lang="en-US" sz="1800" dirty="0" smtClean="0"/>
+              <a:t>from </a:t>
             </a:r>
             <a:r>
               <a:rPr lang="en-US" sz="1800" dirty="0" smtClean="0">
@@ -11210,7 +11262,11 @@
             </a:r>
             <a:r>
               <a:rPr lang="en-US" sz="1800" dirty="0" smtClean="0"/>
-              <a:t> and contains around 150k observations.</a:t>
+              <a:t> </a:t>
+            </a:r>
+            <a:r>
+              <a:rPr lang="en-US" sz="1800" dirty="0" smtClean="0"/>
+              <a:t>and contains around 150k observations.</a:t>
             </a:r>
           </a:p>
         </p:txBody>
@@ -11296,6 +11352,412 @@
           <a:xfrm>
             <a:off x="418634" y="1970172"/>
             <a:ext cx="7887826" cy="510339"/>
+          </a:xfrm>
+          <a:prstGeom prst="rect">
+            <a:avLst/>
+          </a:prstGeom>
+        </p:spPr>
+        <p:txBody>
+          <a:bodyPr vert="horz" lIns="91440" tIns="45720" rIns="91440" bIns="45720" rtlCol="0">
+            <a:normAutofit fontScale="92500"/>
+          </a:bodyPr>
+          <a:lstStyle>
+            <a:lvl1pPr marL="454025" indent="-454025" algn="l" defTabSz="914400" rtl="0" eaLnBrk="1" latinLnBrk="0" hangingPunct="1">
+              <a:spcBef>
+                <a:spcPts val="2000"/>
+              </a:spcBef>
+              <a:buClr>
+                <a:schemeClr val="bg1">
+                  <a:lumMod val="65000"/>
+                </a:schemeClr>
+              </a:buClr>
+              <a:buSzPct val="90000"/>
+              <a:buFont typeface="Wingdings" pitchFamily="2" charset="2"/>
+              <a:buChar char=""/>
+              <a:defRPr sz="2400" kern="1200">
+                <a:solidFill>
+                  <a:schemeClr val="tx1">
+                    <a:lumMod val="85000"/>
+                    <a:lumOff val="15000"/>
+                  </a:schemeClr>
+                </a:solidFill>
+                <a:latin typeface="+mn-lt"/>
+                <a:ea typeface="+mn-ea"/>
+                <a:cs typeface="+mn-cs"/>
+              </a:defRPr>
+            </a:lvl1pPr>
+            <a:lvl2pPr marL="914400" indent="-457200" algn="l" defTabSz="914400" rtl="0" eaLnBrk="1" latinLnBrk="0" hangingPunct="1">
+              <a:spcBef>
+                <a:spcPts val="600"/>
+              </a:spcBef>
+              <a:buClr>
+                <a:schemeClr val="tx1">
+                  <a:lumMod val="75000"/>
+                  <a:lumOff val="25000"/>
+                </a:schemeClr>
+              </a:buClr>
+              <a:buSzPct val="90000"/>
+              <a:buFont typeface="Wingdings" pitchFamily="2" charset="2"/>
+              <a:buChar char=""/>
+              <a:defRPr sz="2200" kern="1200">
+                <a:solidFill>
+                  <a:schemeClr val="tx1">
+                    <a:lumMod val="85000"/>
+                    <a:lumOff val="15000"/>
+                  </a:schemeClr>
+                </a:solidFill>
+                <a:latin typeface="+mn-lt"/>
+                <a:ea typeface="+mn-ea"/>
+                <a:cs typeface="+mn-cs"/>
+              </a:defRPr>
+            </a:lvl2pPr>
+            <a:lvl3pPr marL="1260475" indent="-346075" algn="l" defTabSz="914400" rtl="0" eaLnBrk="1" latinLnBrk="0" hangingPunct="1">
+              <a:spcBef>
+                <a:spcPts val="600"/>
+              </a:spcBef>
+              <a:buClr>
+                <a:schemeClr val="bg1">
+                  <a:lumMod val="65000"/>
+                </a:schemeClr>
+              </a:buClr>
+              <a:buSzPct val="90000"/>
+              <a:buFont typeface="Wingdings" pitchFamily="2" charset="2"/>
+              <a:buChar char=""/>
+              <a:defRPr sz="2000" kern="1200">
+                <a:solidFill>
+                  <a:schemeClr val="tx1">
+                    <a:lumMod val="85000"/>
+                    <a:lumOff val="15000"/>
+                  </a:schemeClr>
+                </a:solidFill>
+                <a:latin typeface="+mn-lt"/>
+                <a:ea typeface="+mn-ea"/>
+                <a:cs typeface="+mn-cs"/>
+              </a:defRPr>
+            </a:lvl3pPr>
+            <a:lvl4pPr marL="1600200" indent="-339725" algn="l" defTabSz="914400" rtl="0" eaLnBrk="1" latinLnBrk="0" hangingPunct="1">
+              <a:spcBef>
+                <a:spcPts val="600"/>
+              </a:spcBef>
+              <a:buClr>
+                <a:schemeClr val="tx1">
+                  <a:lumMod val="75000"/>
+                  <a:lumOff val="25000"/>
+                </a:schemeClr>
+              </a:buClr>
+              <a:buSzPct val="90000"/>
+              <a:buFont typeface="Wingdings" pitchFamily="2" charset="2"/>
+              <a:buChar char=""/>
+              <a:defRPr sz="1800" kern="1200">
+                <a:solidFill>
+                  <a:schemeClr val="tx1">
+                    <a:lumMod val="85000"/>
+                    <a:lumOff val="15000"/>
+                  </a:schemeClr>
+                </a:solidFill>
+                <a:latin typeface="+mn-lt"/>
+                <a:ea typeface="+mn-ea"/>
+                <a:cs typeface="+mn-cs"/>
+              </a:defRPr>
+            </a:lvl4pPr>
+            <a:lvl5pPr marL="1939925" indent="-331788" algn="l" defTabSz="914400" rtl="0" eaLnBrk="1" latinLnBrk="0" hangingPunct="1">
+              <a:spcBef>
+                <a:spcPts val="600"/>
+              </a:spcBef>
+              <a:buClr>
+                <a:schemeClr val="bg1">
+                  <a:lumMod val="65000"/>
+                </a:schemeClr>
+              </a:buClr>
+              <a:buSzPct val="90000"/>
+              <a:buFont typeface="Wingdings" pitchFamily="2" charset="2"/>
+              <a:buChar char=""/>
+              <a:defRPr sz="1800" kern="1200">
+                <a:solidFill>
+                  <a:schemeClr val="tx1">
+                    <a:lumMod val="85000"/>
+                    <a:lumOff val="15000"/>
+                  </a:schemeClr>
+                </a:solidFill>
+                <a:latin typeface="+mn-lt"/>
+                <a:ea typeface="+mn-ea"/>
+                <a:cs typeface="+mn-cs"/>
+              </a:defRPr>
+            </a:lvl5pPr>
+            <a:lvl6pPr marL="2290763" indent="-344488" algn="l" defTabSz="914400" rtl="0" eaLnBrk="1" latinLnBrk="0" hangingPunct="1">
+              <a:spcBef>
+                <a:spcPts val="600"/>
+              </a:spcBef>
+              <a:buClr>
+                <a:schemeClr val="tx1">
+                  <a:lumMod val="75000"/>
+                  <a:lumOff val="25000"/>
+                </a:schemeClr>
+              </a:buClr>
+              <a:buSzPct val="90000"/>
+              <a:buFont typeface="Wingdings" pitchFamily="2" charset="2"/>
+              <a:buChar char=""/>
+              <a:defRPr lang="en-US" sz="1800" kern="1200" dirty="0" smtClean="0">
+                <a:solidFill>
+                  <a:schemeClr val="tx1">
+                    <a:lumMod val="85000"/>
+                    <a:lumOff val="15000"/>
+                  </a:schemeClr>
+                </a:solidFill>
+                <a:latin typeface="+mn-lt"/>
+                <a:ea typeface="+mn-ea"/>
+                <a:cs typeface="+mn-cs"/>
+              </a:defRPr>
+            </a:lvl6pPr>
+            <a:lvl7pPr marL="2625725" indent="-344488" algn="l" defTabSz="914400" rtl="0" eaLnBrk="1" latinLnBrk="0" hangingPunct="1">
+              <a:spcBef>
+                <a:spcPts val="600"/>
+              </a:spcBef>
+              <a:buClr>
+                <a:schemeClr val="bg1">
+                  <a:lumMod val="65000"/>
+                </a:schemeClr>
+              </a:buClr>
+              <a:buSzPct val="90000"/>
+              <a:buFont typeface="Wingdings" pitchFamily="2" charset="2"/>
+              <a:buChar char=""/>
+              <a:defRPr lang="en-US" sz="1800" kern="1200" dirty="0" smtClean="0">
+                <a:solidFill>
+                  <a:schemeClr val="tx1">
+                    <a:lumMod val="85000"/>
+                    <a:lumOff val="15000"/>
+                  </a:schemeClr>
+                </a:solidFill>
+                <a:latin typeface="+mn-lt"/>
+                <a:ea typeface="+mn-ea"/>
+                <a:cs typeface="+mn-cs"/>
+              </a:defRPr>
+            </a:lvl7pPr>
+            <a:lvl8pPr marL="2970213" indent="-344488" algn="l" defTabSz="914400" rtl="0" eaLnBrk="1" latinLnBrk="0" hangingPunct="1">
+              <a:spcBef>
+                <a:spcPts val="600"/>
+              </a:spcBef>
+              <a:buClr>
+                <a:schemeClr val="tx1">
+                  <a:lumMod val="75000"/>
+                  <a:lumOff val="25000"/>
+                </a:schemeClr>
+              </a:buClr>
+              <a:buSzPct val="90000"/>
+              <a:buFont typeface="Wingdings" pitchFamily="2" charset="2"/>
+              <a:buChar char=""/>
+              <a:defRPr lang="en-US" sz="1800" kern="1200" dirty="0" smtClean="0">
+                <a:solidFill>
+                  <a:schemeClr val="tx1">
+                    <a:lumMod val="85000"/>
+                    <a:lumOff val="15000"/>
+                  </a:schemeClr>
+                </a:solidFill>
+                <a:latin typeface="+mn-lt"/>
+                <a:ea typeface="+mn-ea"/>
+                <a:cs typeface="+mn-cs"/>
+              </a:defRPr>
+            </a:lvl8pPr>
+            <a:lvl9pPr marL="3313113" indent="-344488" algn="l" defTabSz="914400" rtl="0" eaLnBrk="1" latinLnBrk="0" hangingPunct="1">
+              <a:spcBef>
+                <a:spcPts val="600"/>
+              </a:spcBef>
+              <a:buClr>
+                <a:schemeClr val="bg1">
+                  <a:lumMod val="65000"/>
+                </a:schemeClr>
+              </a:buClr>
+              <a:buSzPct val="90000"/>
+              <a:buFont typeface="Wingdings" pitchFamily="2" charset="2"/>
+              <a:buChar char=""/>
+              <a:defRPr lang="en-US" sz="1800" kern="1200" dirty="0">
+                <a:solidFill>
+                  <a:schemeClr val="tx1">
+                    <a:lumMod val="85000"/>
+                    <a:lumOff val="15000"/>
+                  </a:schemeClr>
+                </a:solidFill>
+                <a:latin typeface="+mn-lt"/>
+                <a:ea typeface="+mn-ea"/>
+                <a:cs typeface="+mn-cs"/>
+              </a:defRPr>
+            </a:lvl9pPr>
+          </a:lstStyle>
+          <a:p>
+            <a:r>
+              <a:rPr lang="en-US" sz="1800" dirty="0" smtClean="0"/>
+              <a:t>Target variable(y) = points  |   Feature </a:t>
+            </a:r>
+            <a:r>
+              <a:rPr lang="en-US" sz="1800" dirty="0" smtClean="0"/>
+              <a:t>variables(</a:t>
+            </a:r>
+            <a:r>
+              <a:rPr lang="en-US" sz="1800" dirty="0" smtClean="0"/>
+              <a:t>x) = country, price, description</a:t>
+            </a:r>
+          </a:p>
+        </p:txBody>
+      </p:sp>
+      <p:pic>
+        <p:nvPicPr>
+          <p:cNvPr id="5" name="Picture 4" descr="wine_head.png"/>
+          <p:cNvPicPr>
+            <a:picLocks noChangeAspect="1"/>
+          </p:cNvPicPr>
+          <p:nvPr/>
+        </p:nvPicPr>
+        <p:blipFill>
+          <a:blip r:embed="rId7">
+            <a:extLst>
+              <a:ext uri="{28A0092B-C50C-407E-A947-70E740481C1C}">
+                <a14:useLocalDpi xmlns:a14="http://schemas.microsoft.com/office/drawing/2010/main" val="0"/>
+              </a:ext>
+            </a:extLst>
+          </a:blip>
+          <a:stretch>
+            <a:fillRect/>
+          </a:stretch>
+        </p:blipFill>
+        <p:spPr>
+          <a:xfrm>
+            <a:off x="439158" y="2316889"/>
+            <a:ext cx="8301262" cy="1015002"/>
+          </a:xfrm>
+          <a:prstGeom prst="rect">
+            <a:avLst/>
+          </a:prstGeom>
+        </p:spPr>
+      </p:pic>
+      <p:sp>
+        <p:nvSpPr>
+          <p:cNvPr id="15" name="Oval 14"/>
+          <p:cNvSpPr/>
+          <p:nvPr/>
+        </p:nvSpPr>
+        <p:spPr>
+          <a:xfrm>
+            <a:off x="7214319" y="4431174"/>
+            <a:ext cx="1755371" cy="306031"/>
+          </a:xfrm>
+          <a:prstGeom prst="ellipse">
+            <a:avLst/>
+          </a:prstGeom>
+          <a:noFill/>
+        </p:spPr>
+        <p:style>
+          <a:lnRef idx="1">
+            <a:schemeClr val="accent1"/>
+          </a:lnRef>
+          <a:fillRef idx="3">
+            <a:schemeClr val="accent1"/>
+          </a:fillRef>
+          <a:effectRef idx="2">
+            <a:schemeClr val="accent1"/>
+          </a:effectRef>
+          <a:fontRef idx="minor">
+            <a:schemeClr val="lt1"/>
+          </a:fontRef>
+        </p:style>
+        <p:txBody>
+          <a:bodyPr rtlCol="0" anchor="ctr"/>
+          <a:lstStyle/>
+          <a:p>
+            <a:pPr algn="ctr"/>
+            <a:endParaRPr lang="en-US"/>
+          </a:p>
+        </p:txBody>
+      </p:sp>
+      <p:cxnSp>
+        <p:nvCxnSpPr>
+          <p:cNvPr id="16" name="Straight Arrow Connector 15"/>
+          <p:cNvCxnSpPr>
+            <a:stCxn id="9" idx="3"/>
+            <a:endCxn id="4" idx="1"/>
+          </p:cNvCxnSpPr>
+          <p:nvPr/>
+        </p:nvCxnSpPr>
+        <p:spPr>
+          <a:xfrm>
+            <a:off x="4430542" y="4284524"/>
+            <a:ext cx="553203" cy="35604"/>
+          </a:xfrm>
+          <a:prstGeom prst="straightConnector1">
+            <a:avLst/>
+          </a:prstGeom>
+          <a:ln w="38100" cmpd="sng">
+            <a:solidFill>
+              <a:schemeClr val="accent1"/>
+            </a:solidFill>
+            <a:tailEnd type="arrow"/>
+          </a:ln>
+        </p:spPr>
+        <p:style>
+          <a:lnRef idx="2">
+            <a:schemeClr val="accent1"/>
+          </a:lnRef>
+          <a:fillRef idx="0">
+            <a:schemeClr val="accent1"/>
+          </a:fillRef>
+          <a:effectRef idx="1">
+            <a:schemeClr val="accent1"/>
+          </a:effectRef>
+          <a:fontRef idx="minor">
+            <a:schemeClr val="tx1"/>
+          </a:fontRef>
+        </p:style>
+      </p:cxnSp>
+      <p:cxnSp>
+        <p:nvCxnSpPr>
+          <p:cNvPr id="17" name="Straight Arrow Connector 16"/>
+          <p:cNvCxnSpPr>
+            <a:stCxn id="5" idx="2"/>
+            <a:endCxn id="9" idx="0"/>
+          </p:cNvCxnSpPr>
+          <p:nvPr/>
+        </p:nvCxnSpPr>
+        <p:spPr>
+          <a:xfrm flipH="1">
+            <a:off x="2454263" y="3331891"/>
+            <a:ext cx="2135526" cy="237808"/>
+          </a:xfrm>
+          <a:prstGeom prst="straightConnector1">
+            <a:avLst/>
+          </a:prstGeom>
+          <a:ln w="38100" cmpd="sng">
+            <a:solidFill>
+              <a:schemeClr val="accent1"/>
+            </a:solidFill>
+            <a:tailEnd type="arrow"/>
+          </a:ln>
+        </p:spPr>
+        <p:style>
+          <a:lnRef idx="2">
+            <a:schemeClr val="accent1"/>
+          </a:lnRef>
+          <a:fillRef idx="0">
+            <a:schemeClr val="accent1"/>
+          </a:fillRef>
+          <a:effectRef idx="1">
+            <a:schemeClr val="accent1"/>
+          </a:effectRef>
+          <a:fontRef idx="minor">
+            <a:schemeClr val="tx1"/>
+          </a:fontRef>
+        </p:style>
+      </p:cxnSp>
+      <p:sp>
+        <p:nvSpPr>
+          <p:cNvPr id="21" name="Text Placeholder 3"/>
+          <p:cNvSpPr txBox="1">
+            <a:spLocks/>
+          </p:cNvSpPr>
+          <p:nvPr/>
+        </p:nvSpPr>
+        <p:spPr>
+          <a:xfrm>
+            <a:off x="4962777" y="4603691"/>
+            <a:ext cx="2871133" cy="392931"/>
           </a:xfrm>
           <a:prstGeom prst="rect">
             <a:avLst/>
@@ -11530,178 +11992,31 @@
           <a:p>
             <a:r>
               <a:rPr lang="en-US" sz="1800" dirty="0" smtClean="0"/>
-              <a:t>Target variable(y) = points  |   Feature variable(x) = country, price, description</a:t>
-            </a:r>
-          </a:p>
-        </p:txBody>
-      </p:sp>
-      <p:pic>
-        <p:nvPicPr>
-          <p:cNvPr id="5" name="Picture 4" descr="wine_head.png"/>
-          <p:cNvPicPr>
-            <a:picLocks noChangeAspect="1"/>
-          </p:cNvPicPr>
+              <a:t>Data cleaning required</a:t>
+            </a:r>
+          </a:p>
+        </p:txBody>
+      </p:sp>
+      <p:sp>
+        <p:nvSpPr>
+          <p:cNvPr id="22" name="Text Placeholder 3"/>
+          <p:cNvSpPr txBox="1">
+            <a:spLocks/>
+          </p:cNvSpPr>
           <p:nvPr/>
-        </p:nvPicPr>
-        <p:blipFill>
-          <a:blip r:embed="rId7">
-            <a:extLst>
-              <a:ext uri="{28A0092B-C50C-407E-A947-70E740481C1C}">
-                <a14:useLocalDpi xmlns:a14="http://schemas.microsoft.com/office/drawing/2010/main" val="0"/>
-              </a:ext>
-            </a:extLst>
-          </a:blip>
-          <a:stretch>
-            <a:fillRect/>
-          </a:stretch>
-        </p:blipFill>
+        </p:nvSpPr>
         <p:spPr>
           <a:xfrm>
-            <a:off x="439158" y="2316889"/>
-            <a:ext cx="8301262" cy="1015002"/>
+            <a:off x="4589789" y="3361365"/>
+            <a:ext cx="4150631" cy="601026"/>
           </a:xfrm>
           <a:prstGeom prst="rect">
             <a:avLst/>
           </a:prstGeom>
         </p:spPr>
-      </p:pic>
-      <p:sp>
-        <p:nvSpPr>
-          <p:cNvPr id="15" name="Oval 14"/>
-          <p:cNvSpPr/>
-          <p:nvPr/>
-        </p:nvSpPr>
-        <p:spPr>
-          <a:xfrm>
-            <a:off x="7214319" y="4431174"/>
-            <a:ext cx="1755371" cy="306031"/>
-          </a:xfrm>
-          <a:prstGeom prst="ellipse">
-            <a:avLst/>
-          </a:prstGeom>
-          <a:noFill/>
-        </p:spPr>
-        <p:style>
-          <a:lnRef idx="1">
-            <a:schemeClr val="accent1"/>
-          </a:lnRef>
-          <a:fillRef idx="3">
-            <a:schemeClr val="accent1"/>
-          </a:fillRef>
-          <a:effectRef idx="2">
-            <a:schemeClr val="accent1"/>
-          </a:effectRef>
-          <a:fontRef idx="minor">
-            <a:schemeClr val="lt1"/>
-          </a:fontRef>
-        </p:style>
-        <p:txBody>
-          <a:bodyPr rtlCol="0" anchor="ctr"/>
-          <a:lstStyle/>
-          <a:p>
-            <a:pPr algn="ctr"/>
-            <a:endParaRPr lang="en-US"/>
-          </a:p>
-        </p:txBody>
-      </p:sp>
-      <p:cxnSp>
-        <p:nvCxnSpPr>
-          <p:cNvPr id="16" name="Straight Arrow Connector 15"/>
-          <p:cNvCxnSpPr>
-            <a:stCxn id="9" idx="3"/>
-            <a:endCxn id="4" idx="1"/>
-          </p:cNvCxnSpPr>
-          <p:nvPr/>
-        </p:nvCxnSpPr>
-        <p:spPr>
-          <a:xfrm>
-            <a:off x="4430542" y="4284524"/>
-            <a:ext cx="553203" cy="35604"/>
-          </a:xfrm>
-          <a:prstGeom prst="straightConnector1">
-            <a:avLst/>
-          </a:prstGeom>
-          <a:ln w="38100" cmpd="sng">
-            <a:solidFill>
-              <a:schemeClr val="accent1"/>
-            </a:solidFill>
-            <a:tailEnd type="arrow"/>
-          </a:ln>
-        </p:spPr>
-        <p:style>
-          <a:lnRef idx="2">
-            <a:schemeClr val="accent1"/>
-          </a:lnRef>
-          <a:fillRef idx="0">
-            <a:schemeClr val="accent1"/>
-          </a:fillRef>
-          <a:effectRef idx="1">
-            <a:schemeClr val="accent1"/>
-          </a:effectRef>
-          <a:fontRef idx="minor">
-            <a:schemeClr val="tx1"/>
-          </a:fontRef>
-        </p:style>
-      </p:cxnSp>
-      <p:cxnSp>
-        <p:nvCxnSpPr>
-          <p:cNvPr id="17" name="Straight Arrow Connector 16"/>
-          <p:cNvCxnSpPr>
-            <a:stCxn id="5" idx="2"/>
-            <a:endCxn id="9" idx="0"/>
-          </p:cNvCxnSpPr>
-          <p:nvPr/>
-        </p:nvCxnSpPr>
-        <p:spPr>
-          <a:xfrm flipH="1">
-            <a:off x="2454263" y="3331891"/>
-            <a:ext cx="2135526" cy="237808"/>
-          </a:xfrm>
-          <a:prstGeom prst="straightConnector1">
-            <a:avLst/>
-          </a:prstGeom>
-          <a:ln w="38100" cmpd="sng">
-            <a:solidFill>
-              <a:schemeClr val="accent1"/>
-            </a:solidFill>
-            <a:tailEnd type="arrow"/>
-          </a:ln>
-        </p:spPr>
-        <p:style>
-          <a:lnRef idx="2">
-            <a:schemeClr val="accent1"/>
-          </a:lnRef>
-          <a:fillRef idx="0">
-            <a:schemeClr val="accent1"/>
-          </a:fillRef>
-          <a:effectRef idx="1">
-            <a:schemeClr val="accent1"/>
-          </a:effectRef>
-          <a:fontRef idx="minor">
-            <a:schemeClr val="tx1"/>
-          </a:fontRef>
-        </p:style>
-      </p:cxnSp>
-      <p:sp>
-        <p:nvSpPr>
-          <p:cNvPr id="21" name="Text Placeholder 3"/>
-          <p:cNvSpPr txBox="1">
-            <a:spLocks/>
-          </p:cNvSpPr>
-          <p:nvPr/>
-        </p:nvSpPr>
-        <p:spPr>
-          <a:xfrm>
-            <a:off x="4962777" y="4603691"/>
-            <a:ext cx="2871133" cy="392931"/>
-          </a:xfrm>
-          <a:prstGeom prst="rect">
-            <a:avLst/>
-          </a:prstGeom>
-        </p:spPr>
         <p:txBody>
           <a:bodyPr vert="horz" lIns="91440" tIns="45720" rIns="91440" bIns="45720" rtlCol="0">
-            <a:normAutofit/>
+            <a:normAutofit fontScale="92500" lnSpcReduction="10000"/>
           </a:bodyPr>
           <a:lstStyle>
             <a:lvl1pPr marL="454025" indent="-454025" algn="l" defTabSz="914400" rtl="0" eaLnBrk="1" latinLnBrk="0" hangingPunct="1">
@@ -11928,259 +12243,21 @@
           <a:p>
             <a:r>
               <a:rPr lang="en-US" sz="1800" dirty="0" smtClean="0"/>
-              <a:t>Data cleaning required</a:t>
-            </a:r>
-          </a:p>
-        </p:txBody>
-      </p:sp>
-      <p:sp>
-        <p:nvSpPr>
-          <p:cNvPr id="22" name="Text Placeholder 3"/>
-          <p:cNvSpPr txBox="1">
-            <a:spLocks/>
-          </p:cNvSpPr>
-          <p:nvPr/>
-        </p:nvSpPr>
-        <p:spPr>
-          <a:xfrm>
-            <a:off x="4589789" y="3361365"/>
-            <a:ext cx="4150631" cy="392931"/>
-          </a:xfrm>
-          <a:prstGeom prst="rect">
-            <a:avLst/>
-          </a:prstGeom>
-        </p:spPr>
-        <p:txBody>
-          <a:bodyPr vert="horz" lIns="91440" tIns="45720" rIns="91440" bIns="45720" rtlCol="0">
-            <a:normAutofit/>
-          </a:bodyPr>
-          <a:lstStyle>
-            <a:lvl1pPr marL="454025" indent="-454025" algn="l" defTabSz="914400" rtl="0" eaLnBrk="1" latinLnBrk="0" hangingPunct="1">
-              <a:spcBef>
-                <a:spcPts val="2000"/>
-              </a:spcBef>
-              <a:buClr>
-                <a:schemeClr val="bg1">
-                  <a:lumMod val="65000"/>
-                </a:schemeClr>
-              </a:buClr>
-              <a:buSzPct val="90000"/>
-              <a:buFont typeface="Wingdings" pitchFamily="2" charset="2"/>
-              <a:buChar char=""/>
-              <a:defRPr sz="2400" kern="1200">
-                <a:solidFill>
-                  <a:schemeClr val="tx1">
-                    <a:lumMod val="85000"/>
-                    <a:lumOff val="15000"/>
-                  </a:schemeClr>
-                </a:solidFill>
-                <a:latin typeface="+mn-lt"/>
-                <a:ea typeface="+mn-ea"/>
-                <a:cs typeface="+mn-cs"/>
-              </a:defRPr>
-            </a:lvl1pPr>
-            <a:lvl2pPr marL="914400" indent="-457200" algn="l" defTabSz="914400" rtl="0" eaLnBrk="1" latinLnBrk="0" hangingPunct="1">
-              <a:spcBef>
-                <a:spcPts val="600"/>
-              </a:spcBef>
-              <a:buClr>
-                <a:schemeClr val="tx1">
-                  <a:lumMod val="75000"/>
-                  <a:lumOff val="25000"/>
-                </a:schemeClr>
-              </a:buClr>
-              <a:buSzPct val="90000"/>
-              <a:buFont typeface="Wingdings" pitchFamily="2" charset="2"/>
-              <a:buChar char=""/>
-              <a:defRPr sz="2200" kern="1200">
-                <a:solidFill>
-                  <a:schemeClr val="tx1">
-                    <a:lumMod val="85000"/>
-                    <a:lumOff val="15000"/>
-                  </a:schemeClr>
-                </a:solidFill>
-                <a:latin typeface="+mn-lt"/>
-                <a:ea typeface="+mn-ea"/>
-                <a:cs typeface="+mn-cs"/>
-              </a:defRPr>
-            </a:lvl2pPr>
-            <a:lvl3pPr marL="1260475" indent="-346075" algn="l" defTabSz="914400" rtl="0" eaLnBrk="1" latinLnBrk="0" hangingPunct="1">
-              <a:spcBef>
-                <a:spcPts val="600"/>
-              </a:spcBef>
-              <a:buClr>
-                <a:schemeClr val="bg1">
-                  <a:lumMod val="65000"/>
-                </a:schemeClr>
-              </a:buClr>
-              <a:buSzPct val="90000"/>
-              <a:buFont typeface="Wingdings" pitchFamily="2" charset="2"/>
-              <a:buChar char=""/>
-              <a:defRPr sz="2000" kern="1200">
-                <a:solidFill>
-                  <a:schemeClr val="tx1">
-                    <a:lumMod val="85000"/>
-                    <a:lumOff val="15000"/>
-                  </a:schemeClr>
-                </a:solidFill>
-                <a:latin typeface="+mn-lt"/>
-                <a:ea typeface="+mn-ea"/>
-                <a:cs typeface="+mn-cs"/>
-              </a:defRPr>
-            </a:lvl3pPr>
-            <a:lvl4pPr marL="1600200" indent="-339725" algn="l" defTabSz="914400" rtl="0" eaLnBrk="1" latinLnBrk="0" hangingPunct="1">
-              <a:spcBef>
-                <a:spcPts val="600"/>
-              </a:spcBef>
-              <a:buClr>
-                <a:schemeClr val="tx1">
-                  <a:lumMod val="75000"/>
-                  <a:lumOff val="25000"/>
-                </a:schemeClr>
-              </a:buClr>
-              <a:buSzPct val="90000"/>
-              <a:buFont typeface="Wingdings" pitchFamily="2" charset="2"/>
-              <a:buChar char=""/>
-              <a:defRPr sz="1800" kern="1200">
-                <a:solidFill>
-                  <a:schemeClr val="tx1">
-                    <a:lumMod val="85000"/>
-                    <a:lumOff val="15000"/>
-                  </a:schemeClr>
-                </a:solidFill>
-                <a:latin typeface="+mn-lt"/>
-                <a:ea typeface="+mn-ea"/>
-                <a:cs typeface="+mn-cs"/>
-              </a:defRPr>
-            </a:lvl4pPr>
-            <a:lvl5pPr marL="1939925" indent="-331788" algn="l" defTabSz="914400" rtl="0" eaLnBrk="1" latinLnBrk="0" hangingPunct="1">
-              <a:spcBef>
-                <a:spcPts val="600"/>
-              </a:spcBef>
-              <a:buClr>
-                <a:schemeClr val="bg1">
-                  <a:lumMod val="65000"/>
-                </a:schemeClr>
-              </a:buClr>
-              <a:buSzPct val="90000"/>
-              <a:buFont typeface="Wingdings" pitchFamily="2" charset="2"/>
-              <a:buChar char=""/>
-              <a:defRPr sz="1800" kern="1200">
-                <a:solidFill>
-                  <a:schemeClr val="tx1">
-                    <a:lumMod val="85000"/>
-                    <a:lumOff val="15000"/>
-                  </a:schemeClr>
-                </a:solidFill>
-                <a:latin typeface="+mn-lt"/>
-                <a:ea typeface="+mn-ea"/>
-                <a:cs typeface="+mn-cs"/>
-              </a:defRPr>
-            </a:lvl5pPr>
-            <a:lvl6pPr marL="2290763" indent="-344488" algn="l" defTabSz="914400" rtl="0" eaLnBrk="1" latinLnBrk="0" hangingPunct="1">
-              <a:spcBef>
-                <a:spcPts val="600"/>
-              </a:spcBef>
-              <a:buClr>
-                <a:schemeClr val="tx1">
-                  <a:lumMod val="75000"/>
-                  <a:lumOff val="25000"/>
-                </a:schemeClr>
-              </a:buClr>
-              <a:buSzPct val="90000"/>
-              <a:buFont typeface="Wingdings" pitchFamily="2" charset="2"/>
-              <a:buChar char=""/>
-              <a:defRPr lang="en-US" sz="1800" kern="1200" dirty="0" smtClean="0">
-                <a:solidFill>
-                  <a:schemeClr val="tx1">
-                    <a:lumMod val="85000"/>
-                    <a:lumOff val="15000"/>
-                  </a:schemeClr>
-                </a:solidFill>
-                <a:latin typeface="+mn-lt"/>
-                <a:ea typeface="+mn-ea"/>
-                <a:cs typeface="+mn-cs"/>
-              </a:defRPr>
-            </a:lvl6pPr>
-            <a:lvl7pPr marL="2625725" indent="-344488" algn="l" defTabSz="914400" rtl="0" eaLnBrk="1" latinLnBrk="0" hangingPunct="1">
-              <a:spcBef>
-                <a:spcPts val="600"/>
-              </a:spcBef>
-              <a:buClr>
-                <a:schemeClr val="bg1">
-                  <a:lumMod val="65000"/>
-                </a:schemeClr>
-              </a:buClr>
-              <a:buSzPct val="90000"/>
-              <a:buFont typeface="Wingdings" pitchFamily="2" charset="2"/>
-              <a:buChar char=""/>
-              <a:defRPr lang="en-US" sz="1800" kern="1200" dirty="0" smtClean="0">
-                <a:solidFill>
-                  <a:schemeClr val="tx1">
-                    <a:lumMod val="85000"/>
-                    <a:lumOff val="15000"/>
-                  </a:schemeClr>
-                </a:solidFill>
-                <a:latin typeface="+mn-lt"/>
-                <a:ea typeface="+mn-ea"/>
-                <a:cs typeface="+mn-cs"/>
-              </a:defRPr>
-            </a:lvl7pPr>
-            <a:lvl8pPr marL="2970213" indent="-344488" algn="l" defTabSz="914400" rtl="0" eaLnBrk="1" latinLnBrk="0" hangingPunct="1">
-              <a:spcBef>
-                <a:spcPts val="600"/>
-              </a:spcBef>
-              <a:buClr>
-                <a:schemeClr val="tx1">
-                  <a:lumMod val="75000"/>
-                  <a:lumOff val="25000"/>
-                </a:schemeClr>
-              </a:buClr>
-              <a:buSzPct val="90000"/>
-              <a:buFont typeface="Wingdings" pitchFamily="2" charset="2"/>
-              <a:buChar char=""/>
-              <a:defRPr lang="en-US" sz="1800" kern="1200" dirty="0" smtClean="0">
-                <a:solidFill>
-                  <a:schemeClr val="tx1">
-                    <a:lumMod val="85000"/>
-                    <a:lumOff val="15000"/>
-                  </a:schemeClr>
-                </a:solidFill>
-                <a:latin typeface="+mn-lt"/>
-                <a:ea typeface="+mn-ea"/>
-                <a:cs typeface="+mn-cs"/>
-              </a:defRPr>
-            </a:lvl8pPr>
-            <a:lvl9pPr marL="3313113" indent="-344488" algn="l" defTabSz="914400" rtl="0" eaLnBrk="1" latinLnBrk="0" hangingPunct="1">
-              <a:spcBef>
-                <a:spcPts val="600"/>
-              </a:spcBef>
-              <a:buClr>
-                <a:schemeClr val="bg1">
-                  <a:lumMod val="65000"/>
-                </a:schemeClr>
-              </a:buClr>
-              <a:buSzPct val="90000"/>
-              <a:buFont typeface="Wingdings" pitchFamily="2" charset="2"/>
-              <a:buChar char=""/>
-              <a:defRPr lang="en-US" sz="1800" kern="1200" dirty="0">
-                <a:solidFill>
-                  <a:schemeClr val="tx1">
-                    <a:lumMod val="85000"/>
-                    <a:lumOff val="15000"/>
-                  </a:schemeClr>
-                </a:solidFill>
-                <a:latin typeface="+mn-lt"/>
-                <a:ea typeface="+mn-ea"/>
-                <a:cs typeface="+mn-cs"/>
-              </a:defRPr>
-            </a:lvl9pPr>
-          </a:lstStyle>
-          <a:p>
+              <a:t>Due to </a:t>
+            </a:r>
             <a:r>
               <a:rPr lang="en-US" sz="1800" dirty="0" smtClean="0"/>
-              <a:t>Due to constraints, drop non-features </a:t>
-            </a:r>
+              <a:t>time constraints</a:t>
+            </a:r>
+            <a:r>
+              <a:rPr lang="en-US" sz="1800" dirty="0" smtClean="0"/>
+              <a:t>, drop </a:t>
+            </a:r>
+            <a:r>
+              <a:rPr lang="en-US" sz="1800" dirty="0" smtClean="0"/>
+              <a:t>some features </a:t>
+            </a:r>
+            <a:endParaRPr lang="en-US" sz="1800" dirty="0" smtClean="0"/>
           </a:p>
         </p:txBody>
       </p:sp>
@@ -12240,7 +12317,11 @@
           <a:p>
             <a:r>
               <a:rPr lang="en-US" dirty="0" smtClean="0"/>
-              <a:t>Cleaning the price column ‘ready ‘for Machine Learning</a:t>
+              <a:t>Making </a:t>
+            </a:r>
+            <a:r>
+              <a:rPr lang="en-US" dirty="0" smtClean="0"/>
+              <a:t>the price column ‘ready ‘for Machine Learning</a:t>
             </a:r>
             <a:endParaRPr lang="en-US" dirty="0"/>
           </a:p>
@@ -12324,15 +12405,19 @@
             </a:r>
             <a:r>
               <a:rPr lang="en-US" sz="1600" dirty="0" smtClean="0"/>
-              <a:t> drop rows with price larger than 200 and NA values. (</a:t>
-            </a:r>
-            <a:r>
-              <a:rPr lang="en-US" sz="1800" dirty="0" smtClean="0"/>
-              <a:t>reduction</a:t>
+              <a:t> drop rows with price larger than 200 and </a:t>
+            </a:r>
+            <a:r>
+              <a:rPr lang="en-US" sz="1600" dirty="0" smtClean="0"/>
+              <a:t>missing</a:t>
             </a:r>
             <a:r>
               <a:rPr lang="en-US" sz="1600" dirty="0" smtClean="0"/>
               <a:t> </a:t>
+            </a:r>
+            <a:r>
+              <a:rPr lang="en-US" sz="1600" dirty="0" smtClean="0"/>
+              <a:t>values. (reduction </a:t>
             </a:r>
             <a:r>
               <a:rPr lang="en-US" sz="1600" dirty="0"/>
@@ -12916,25 +13001,25 @@
         </p:spPr>
         <p:txBody>
           <a:bodyPr>
-            <a:normAutofit fontScale="77500" lnSpcReduction="20000"/>
+            <a:normAutofit fontScale="85000" lnSpcReduction="20000"/>
           </a:bodyPr>
           <a:lstStyle/>
           <a:p>
             <a:r>
               <a:rPr lang="en-US" sz="2000" dirty="0" smtClean="0"/>
-              <a:t>Finally, splitting Data into three different Sets using a static split method via </a:t>
-            </a:r>
-            <a:r>
-              <a:rPr lang="en-US" sz="2000" dirty="0" err="1" smtClean="0"/>
-              <a:t>pd.split</a:t>
+              <a:t>Finally, splitting Data into three different Sets using a </a:t>
             </a:r>
             <a:r>
               <a:rPr lang="en-US" sz="2000" dirty="0" smtClean="0"/>
-              <a:t>() to ensure that models train on the same sets</a:t>
+              <a:t>random </a:t>
             </a:r>
             <a:r>
               <a:rPr lang="en-US" sz="2000" dirty="0" smtClean="0"/>
-              <a:t>:</a:t>
+              <a:t>split method </a:t>
+            </a:r>
+            <a:r>
+              <a:rPr lang="en-US" sz="2000" dirty="0" smtClean="0"/>
+              <a:t>to ensure that models train on the same sets:</a:t>
             </a:r>
           </a:p>
           <a:p>
@@ -12978,27 +13063,13 @@
             </a:r>
             <a:r>
               <a:rPr lang="en-US" sz="2000" dirty="0" smtClean="0"/>
-              <a:t>‘country’; </a:t>
-            </a:r>
-          </a:p>
-          <a:p>
-            <a:pPr lvl="1"/>
+              <a:t>‘country’</a:t>
+            </a:r>
             <a:r>
               <a:rPr lang="en-US" sz="1800" dirty="0" smtClean="0"/>
-              <a:t>pandas </a:t>
-            </a:r>
-            <a:r>
-              <a:rPr lang="en-US" sz="1800" dirty="0" smtClean="0"/>
-              <a:t>built in dummy creation function, </a:t>
-            </a:r>
-            <a:r>
-              <a:rPr lang="en-US" sz="1800" dirty="0" err="1" smtClean="0"/>
-              <a:t>pd.get_dummies</a:t>
-            </a:r>
-            <a:r>
-              <a:rPr lang="en-US" sz="1800" dirty="0" smtClean="0"/>
-              <a:t>() .</a:t>
-            </a:r>
+              <a:t>.</a:t>
+            </a:r>
+            <a:endParaRPr lang="en-US" sz="1800" dirty="0" smtClean="0"/>
           </a:p>
           <a:p>
             <a:r>
@@ -13140,7 +13211,7 @@
             </a:r>
             <a:r>
               <a:rPr lang="en-US" dirty="0" smtClean="0"/>
-              <a:t> Model</a:t>
+              <a:t> Model (on validation set)</a:t>
             </a:r>
             <a:endParaRPr lang="en-US" dirty="0"/>
           </a:p>
@@ -13182,7 +13253,7 @@
         <p:spPr>
           <a:xfrm>
             <a:off x="510390" y="1428812"/>
-            <a:ext cx="4941989" cy="3449131"/>
+            <a:ext cx="4941989" cy="3567816"/>
           </a:xfrm>
           <a:prstGeom prst="rect">
             <a:avLst/>
@@ -13433,7 +13504,15 @@
             </a:pPr>
             <a:r>
               <a:rPr lang="en-US" dirty="0" smtClean="0"/>
-              <a:t>SGD Regression yields a negative R^2 </a:t>
+              <a:t>SGD Regression yields a negative R</a:t>
+            </a:r>
+            <a:r>
+              <a:rPr lang="en-US" baseline="30000" dirty="0" smtClean="0"/>
+              <a:t>2</a:t>
+            </a:r>
+            <a:r>
+              <a:rPr lang="en-US" dirty="0" smtClean="0"/>
+              <a:t> </a:t>
             </a:r>
             <a:endParaRPr lang="en-US" dirty="0" smtClean="0">
               <a:sym typeface="Wingdings"/>
@@ -13449,7 +13528,19 @@
               <a:rPr lang="en-US" dirty="0" smtClean="0">
                 <a:sym typeface="Wingdings"/>
               </a:rPr>
-              <a:t>Elastic Net yields an R^2 of 0.3  </a:t>
+              <a:t>Elastic Net yields an R</a:t>
+            </a:r>
+            <a:r>
+              <a:rPr lang="en-US" baseline="30000" dirty="0" smtClean="0">
+                <a:sym typeface="Wingdings"/>
+              </a:rPr>
+              <a:t>2</a:t>
+            </a:r>
+            <a:r>
+              <a:rPr lang="en-US" dirty="0" smtClean="0">
+                <a:sym typeface="Wingdings"/>
+              </a:rPr>
+              <a:t> of 0.3  </a:t>
             </a:r>
           </a:p>
           <a:p>
@@ -13462,7 +13553,19 @@
               <a:rPr lang="en-US" dirty="0" smtClean="0">
                 <a:sym typeface="Wingdings"/>
               </a:rPr>
-              <a:t>Linear SVR yields R^2 of 0.3 </a:t>
+              <a:t>Linear SVR yields R</a:t>
+            </a:r>
+            <a:r>
+              <a:rPr lang="en-US" baseline="30000" dirty="0" smtClean="0">
+                <a:sym typeface="Wingdings"/>
+              </a:rPr>
+              <a:t>2</a:t>
+            </a:r>
+            <a:r>
+              <a:rPr lang="en-US" dirty="0" smtClean="0">
+                <a:sym typeface="Wingdings"/>
+              </a:rPr>
+              <a:t> of 0.3 </a:t>
             </a:r>
           </a:p>
           <a:p>
@@ -13475,7 +13578,19 @@
               <a:rPr lang="en-US" dirty="0" smtClean="0">
                 <a:sym typeface="Wingdings"/>
               </a:rPr>
-              <a:t>Decision Trees yield a R^2 of &gt;0.3, hence best model!</a:t>
+              <a:t>Decision Trees yield a R</a:t>
+            </a:r>
+            <a:r>
+              <a:rPr lang="en-US" baseline="30000" dirty="0" smtClean="0">
+                <a:sym typeface="Wingdings"/>
+              </a:rPr>
+              <a:t>2</a:t>
+            </a:r>
+            <a:r>
+              <a:rPr lang="en-US" dirty="0" smtClean="0">
+                <a:sym typeface="Wingdings"/>
+              </a:rPr>
+              <a:t> of &gt; 0.3, hence best model!</a:t>
             </a:r>
             <a:endParaRPr lang="en-US" dirty="0" smtClean="0"/>
           </a:p>
@@ -13734,33 +13849,9 @@
           </a:p>
         </p:txBody>
       </p:sp>
-      <p:sp>
-        <p:nvSpPr>
-          <p:cNvPr id="4" name="Text Placeholder 3"/>
-          <p:cNvSpPr>
-            <a:spLocks noGrp="1"/>
-          </p:cNvSpPr>
-          <p:nvPr>
-            <p:ph type="body" sz="quarter" idx="13"/>
-          </p:nvPr>
-        </p:nvSpPr>
-        <p:spPr/>
-        <p:txBody>
-          <a:bodyPr>
-            <a:normAutofit/>
-          </a:bodyPr>
-          <a:lstStyle/>
-          <a:p>
-            <a:endParaRPr lang="en-US" dirty="0" smtClean="0"/>
-          </a:p>
-          <a:p>
-            <a:endParaRPr lang="en-US" dirty="0"/>
-          </a:p>
-        </p:txBody>
-      </p:sp>
       <p:pic>
         <p:nvPicPr>
-          <p:cNvPr id="5" name="Picture 4" descr="dt_leaf_select.png"/>
+          <p:cNvPr id="5" name="Picture 4"/>
           <p:cNvPicPr>
             <a:picLocks noChangeAspect="1"/>
           </p:cNvPicPr>
@@ -13780,8 +13871,8 @@
         </p:blipFill>
         <p:spPr>
           <a:xfrm>
-            <a:off x="178050" y="1414913"/>
-            <a:ext cx="8748000" cy="2061631"/>
+            <a:off x="178050" y="1507379"/>
+            <a:ext cx="8748000" cy="1876699"/>
           </a:xfrm>
           <a:prstGeom prst="rect">
             <a:avLst/>
@@ -13798,545 +13889,8 @@
         </p:nvSpPr>
         <p:spPr>
           <a:xfrm>
-            <a:off x="418635" y="3849891"/>
+            <a:off x="418635" y="3956703"/>
             <a:ext cx="7887166" cy="778814"/>
-          </a:xfrm>
-          <a:prstGeom prst="rect">
-            <a:avLst/>
-          </a:prstGeom>
-        </p:spPr>
-        <p:txBody>
-          <a:bodyPr vert="horz" lIns="91440" tIns="45720" rIns="91440" bIns="45720" rtlCol="0">
-            <a:normAutofit fontScale="55000" lnSpcReduction="20000"/>
-          </a:bodyPr>
-          <a:lstStyle>
-            <a:lvl1pPr marL="454025" indent="-454025" algn="l" defTabSz="914400" rtl="0" eaLnBrk="1" latinLnBrk="0" hangingPunct="1">
-              <a:spcBef>
-                <a:spcPts val="2000"/>
-              </a:spcBef>
-              <a:buClr>
-                <a:schemeClr val="bg1">
-                  <a:lumMod val="65000"/>
-                </a:schemeClr>
-              </a:buClr>
-              <a:buSzPct val="90000"/>
-              <a:buFont typeface="Wingdings" pitchFamily="2" charset="2"/>
-              <a:buChar char=""/>
-              <a:defRPr sz="2400" kern="1200">
-                <a:solidFill>
-                  <a:schemeClr val="tx1">
-                    <a:lumMod val="85000"/>
-                    <a:lumOff val="15000"/>
-                  </a:schemeClr>
-                </a:solidFill>
-                <a:latin typeface="+mn-lt"/>
-                <a:ea typeface="+mn-ea"/>
-                <a:cs typeface="+mn-cs"/>
-              </a:defRPr>
-            </a:lvl1pPr>
-            <a:lvl2pPr marL="914400" indent="-457200" algn="l" defTabSz="914400" rtl="0" eaLnBrk="1" latinLnBrk="0" hangingPunct="1">
-              <a:spcBef>
-                <a:spcPts val="600"/>
-              </a:spcBef>
-              <a:buClr>
-                <a:schemeClr val="tx1">
-                  <a:lumMod val="75000"/>
-                  <a:lumOff val="25000"/>
-                </a:schemeClr>
-              </a:buClr>
-              <a:buSzPct val="90000"/>
-              <a:buFont typeface="Wingdings" pitchFamily="2" charset="2"/>
-              <a:buChar char=""/>
-              <a:defRPr sz="2200" kern="1200">
-                <a:solidFill>
-                  <a:schemeClr val="tx1">
-                    <a:lumMod val="85000"/>
-                    <a:lumOff val="15000"/>
-                  </a:schemeClr>
-                </a:solidFill>
-                <a:latin typeface="+mn-lt"/>
-                <a:ea typeface="+mn-ea"/>
-                <a:cs typeface="+mn-cs"/>
-              </a:defRPr>
-            </a:lvl2pPr>
-            <a:lvl3pPr marL="1260475" indent="-346075" algn="l" defTabSz="914400" rtl="0" eaLnBrk="1" latinLnBrk="0" hangingPunct="1">
-              <a:spcBef>
-                <a:spcPts val="600"/>
-              </a:spcBef>
-              <a:buClr>
-                <a:schemeClr val="bg1">
-                  <a:lumMod val="65000"/>
-                </a:schemeClr>
-              </a:buClr>
-              <a:buSzPct val="90000"/>
-              <a:buFont typeface="Wingdings" pitchFamily="2" charset="2"/>
-              <a:buChar char=""/>
-              <a:defRPr sz="2000" kern="1200">
-                <a:solidFill>
-                  <a:schemeClr val="tx1">
-                    <a:lumMod val="85000"/>
-                    <a:lumOff val="15000"/>
-                  </a:schemeClr>
-                </a:solidFill>
-                <a:latin typeface="+mn-lt"/>
-                <a:ea typeface="+mn-ea"/>
-                <a:cs typeface="+mn-cs"/>
-              </a:defRPr>
-            </a:lvl3pPr>
-            <a:lvl4pPr marL="1600200" indent="-339725" algn="l" defTabSz="914400" rtl="0" eaLnBrk="1" latinLnBrk="0" hangingPunct="1">
-              <a:spcBef>
-                <a:spcPts val="600"/>
-              </a:spcBef>
-              <a:buClr>
-                <a:schemeClr val="tx1">
-                  <a:lumMod val="75000"/>
-                  <a:lumOff val="25000"/>
-                </a:schemeClr>
-              </a:buClr>
-              <a:buSzPct val="90000"/>
-              <a:buFont typeface="Wingdings" pitchFamily="2" charset="2"/>
-              <a:buChar char=""/>
-              <a:defRPr sz="1800" kern="1200">
-                <a:solidFill>
-                  <a:schemeClr val="tx1">
-                    <a:lumMod val="85000"/>
-                    <a:lumOff val="15000"/>
-                  </a:schemeClr>
-                </a:solidFill>
-                <a:latin typeface="+mn-lt"/>
-                <a:ea typeface="+mn-ea"/>
-                <a:cs typeface="+mn-cs"/>
-              </a:defRPr>
-            </a:lvl4pPr>
-            <a:lvl5pPr marL="1939925" indent="-331788" algn="l" defTabSz="914400" rtl="0" eaLnBrk="1" latinLnBrk="0" hangingPunct="1">
-              <a:spcBef>
-                <a:spcPts val="600"/>
-              </a:spcBef>
-              <a:buClr>
-                <a:schemeClr val="bg1">
-                  <a:lumMod val="65000"/>
-                </a:schemeClr>
-              </a:buClr>
-              <a:buSzPct val="90000"/>
-              <a:buFont typeface="Wingdings" pitchFamily="2" charset="2"/>
-              <a:buChar char=""/>
-              <a:defRPr sz="1800" kern="1200">
-                <a:solidFill>
-                  <a:schemeClr val="tx1">
-                    <a:lumMod val="85000"/>
-                    <a:lumOff val="15000"/>
-                  </a:schemeClr>
-                </a:solidFill>
-                <a:latin typeface="+mn-lt"/>
-                <a:ea typeface="+mn-ea"/>
-                <a:cs typeface="+mn-cs"/>
-              </a:defRPr>
-            </a:lvl5pPr>
-            <a:lvl6pPr marL="2290763" indent="-344488" algn="l" defTabSz="914400" rtl="0" eaLnBrk="1" latinLnBrk="0" hangingPunct="1">
-              <a:spcBef>
-                <a:spcPts val="600"/>
-              </a:spcBef>
-              <a:buClr>
-                <a:schemeClr val="tx1">
-                  <a:lumMod val="75000"/>
-                  <a:lumOff val="25000"/>
-                </a:schemeClr>
-              </a:buClr>
-              <a:buSzPct val="90000"/>
-              <a:buFont typeface="Wingdings" pitchFamily="2" charset="2"/>
-              <a:buChar char=""/>
-              <a:defRPr lang="en-US" sz="1800" kern="1200" dirty="0" smtClean="0">
-                <a:solidFill>
-                  <a:schemeClr val="tx1">
-                    <a:lumMod val="85000"/>
-                    <a:lumOff val="15000"/>
-                  </a:schemeClr>
-                </a:solidFill>
-                <a:latin typeface="+mn-lt"/>
-                <a:ea typeface="+mn-ea"/>
-                <a:cs typeface="+mn-cs"/>
-              </a:defRPr>
-            </a:lvl6pPr>
-            <a:lvl7pPr marL="2625725" indent="-344488" algn="l" defTabSz="914400" rtl="0" eaLnBrk="1" latinLnBrk="0" hangingPunct="1">
-              <a:spcBef>
-                <a:spcPts val="600"/>
-              </a:spcBef>
-              <a:buClr>
-                <a:schemeClr val="bg1">
-                  <a:lumMod val="65000"/>
-                </a:schemeClr>
-              </a:buClr>
-              <a:buSzPct val="90000"/>
-              <a:buFont typeface="Wingdings" pitchFamily="2" charset="2"/>
-              <a:buChar char=""/>
-              <a:defRPr lang="en-US" sz="1800" kern="1200" dirty="0" smtClean="0">
-                <a:solidFill>
-                  <a:schemeClr val="tx1">
-                    <a:lumMod val="85000"/>
-                    <a:lumOff val="15000"/>
-                  </a:schemeClr>
-                </a:solidFill>
-                <a:latin typeface="+mn-lt"/>
-                <a:ea typeface="+mn-ea"/>
-                <a:cs typeface="+mn-cs"/>
-              </a:defRPr>
-            </a:lvl7pPr>
-            <a:lvl8pPr marL="2970213" indent="-344488" algn="l" defTabSz="914400" rtl="0" eaLnBrk="1" latinLnBrk="0" hangingPunct="1">
-              <a:spcBef>
-                <a:spcPts val="600"/>
-              </a:spcBef>
-              <a:buClr>
-                <a:schemeClr val="tx1">
-                  <a:lumMod val="75000"/>
-                  <a:lumOff val="25000"/>
-                </a:schemeClr>
-              </a:buClr>
-              <a:buSzPct val="90000"/>
-              <a:buFont typeface="Wingdings" pitchFamily="2" charset="2"/>
-              <a:buChar char=""/>
-              <a:defRPr lang="en-US" sz="1800" kern="1200" dirty="0" smtClean="0">
-                <a:solidFill>
-                  <a:schemeClr val="tx1">
-                    <a:lumMod val="85000"/>
-                    <a:lumOff val="15000"/>
-                  </a:schemeClr>
-                </a:solidFill>
-                <a:latin typeface="+mn-lt"/>
-                <a:ea typeface="+mn-ea"/>
-                <a:cs typeface="+mn-cs"/>
-              </a:defRPr>
-            </a:lvl8pPr>
-            <a:lvl9pPr marL="3313113" indent="-344488" algn="l" defTabSz="914400" rtl="0" eaLnBrk="1" latinLnBrk="0" hangingPunct="1">
-              <a:spcBef>
-                <a:spcPts val="600"/>
-              </a:spcBef>
-              <a:buClr>
-                <a:schemeClr val="bg1">
-                  <a:lumMod val="65000"/>
-                </a:schemeClr>
-              </a:buClr>
-              <a:buSzPct val="90000"/>
-              <a:buFont typeface="Wingdings" pitchFamily="2" charset="2"/>
-              <a:buChar char=""/>
-              <a:defRPr lang="en-US" sz="1800" kern="1200" dirty="0">
-                <a:solidFill>
-                  <a:schemeClr val="tx1">
-                    <a:lumMod val="85000"/>
-                    <a:lumOff val="15000"/>
-                  </a:schemeClr>
-                </a:solidFill>
-                <a:latin typeface="+mn-lt"/>
-                <a:ea typeface="+mn-ea"/>
-                <a:cs typeface="+mn-cs"/>
-              </a:defRPr>
-            </a:lvl9pPr>
-          </a:lstStyle>
-          <a:p>
-            <a:r>
-              <a:rPr lang="en-US" dirty="0" smtClean="0"/>
-              <a:t>Optimal minimal tree </a:t>
-            </a:r>
-            <a:r>
-              <a:rPr lang="en-US" dirty="0" smtClean="0"/>
-              <a:t>leaf </a:t>
-            </a:r>
-            <a:r>
-              <a:rPr lang="en-US" dirty="0" smtClean="0"/>
-              <a:t>is 5, hence this setup can predict the highest level of variance in the model.</a:t>
-            </a:r>
-          </a:p>
-          <a:p>
-            <a:r>
-              <a:rPr lang="en-US" dirty="0" smtClean="0"/>
-              <a:t>Choosing min. Leaf of 1 is possible, but we probably get issues due to over-fitting </a:t>
-            </a:r>
-            <a:endParaRPr lang="en-US" dirty="0"/>
-          </a:p>
-        </p:txBody>
-      </p:sp>
-      <p:sp>
-        <p:nvSpPr>
-          <p:cNvPr id="7" name="Rectangle 6"/>
-          <p:cNvSpPr/>
-          <p:nvPr/>
-        </p:nvSpPr>
-        <p:spPr>
-          <a:xfrm>
-            <a:off x="296753" y="2041377"/>
-            <a:ext cx="8581672" cy="272975"/>
-          </a:xfrm>
-          <a:prstGeom prst="rect">
-            <a:avLst/>
-          </a:prstGeom>
-          <a:noFill/>
-          <a:ln>
-            <a:solidFill>
-              <a:schemeClr val="accent4"/>
-            </a:solidFill>
-          </a:ln>
-        </p:spPr>
-        <p:style>
-          <a:lnRef idx="1">
-            <a:schemeClr val="accent1"/>
-          </a:lnRef>
-          <a:fillRef idx="3">
-            <a:schemeClr val="accent1"/>
-          </a:fillRef>
-          <a:effectRef idx="2">
-            <a:schemeClr val="accent1"/>
-          </a:effectRef>
-          <a:fontRef idx="minor">
-            <a:schemeClr val="lt1"/>
-          </a:fontRef>
-        </p:style>
-        <p:txBody>
-          <a:bodyPr rtlCol="0" anchor="ctr"/>
-          <a:lstStyle/>
-          <a:p>
-            <a:pPr algn="ctr"/>
-            <a:endParaRPr lang="en-US"/>
-          </a:p>
-        </p:txBody>
-      </p:sp>
-      <p:cxnSp>
-        <p:nvCxnSpPr>
-          <p:cNvPr id="8" name="Straight Arrow Connector 7"/>
-          <p:cNvCxnSpPr/>
-          <p:nvPr/>
-        </p:nvCxnSpPr>
-        <p:spPr>
-          <a:xfrm flipV="1">
-            <a:off x="6706291" y="2397446"/>
-            <a:ext cx="0" cy="949479"/>
-          </a:xfrm>
-          <a:prstGeom prst="straightConnector1">
-            <a:avLst/>
-          </a:prstGeom>
-          <a:ln>
-            <a:solidFill>
-              <a:schemeClr val="accent4"/>
-            </a:solidFill>
-            <a:tailEnd type="arrow"/>
-          </a:ln>
-        </p:spPr>
-        <p:style>
-          <a:lnRef idx="2">
-            <a:schemeClr val="accent1"/>
-          </a:lnRef>
-          <a:fillRef idx="0">
-            <a:schemeClr val="accent1"/>
-          </a:fillRef>
-          <a:effectRef idx="1">
-            <a:schemeClr val="accent1"/>
-          </a:effectRef>
-          <a:fontRef idx="minor">
-            <a:schemeClr val="tx1"/>
-          </a:fontRef>
-        </p:style>
-      </p:cxnSp>
-      <p:cxnSp>
-        <p:nvCxnSpPr>
-          <p:cNvPr id="10" name="Straight Arrow Connector 9"/>
-          <p:cNvCxnSpPr/>
-          <p:nvPr/>
-        </p:nvCxnSpPr>
-        <p:spPr>
-          <a:xfrm>
-            <a:off x="6706291" y="1735346"/>
-            <a:ext cx="0" cy="306031"/>
-          </a:xfrm>
-          <a:prstGeom prst="straightConnector1">
-            <a:avLst/>
-          </a:prstGeom>
-          <a:ln>
-            <a:solidFill>
-              <a:schemeClr val="accent4"/>
-            </a:solidFill>
-            <a:tailEnd type="arrow"/>
-          </a:ln>
-        </p:spPr>
-        <p:style>
-          <a:lnRef idx="2">
-            <a:schemeClr val="accent1"/>
-          </a:lnRef>
-          <a:fillRef idx="0">
-            <a:schemeClr val="accent1"/>
-          </a:fillRef>
-          <a:effectRef idx="1">
-            <a:schemeClr val="accent1"/>
-          </a:effectRef>
-          <a:fontRef idx="minor">
-            <a:schemeClr val="tx1"/>
-          </a:fontRef>
-        </p:style>
-      </p:cxnSp>
-      <p:sp>
-        <p:nvSpPr>
-          <p:cNvPr id="15" name="Oval 14"/>
-          <p:cNvSpPr/>
-          <p:nvPr/>
-        </p:nvSpPr>
-        <p:spPr>
-          <a:xfrm>
-            <a:off x="8154377" y="1735346"/>
-            <a:ext cx="771673" cy="306031"/>
-          </a:xfrm>
-          <a:prstGeom prst="ellipse">
-            <a:avLst/>
-          </a:prstGeom>
-          <a:noFill/>
-        </p:spPr>
-        <p:style>
-          <a:lnRef idx="1">
-            <a:schemeClr val="accent1"/>
-          </a:lnRef>
-          <a:fillRef idx="3">
-            <a:schemeClr val="accent1"/>
-          </a:fillRef>
-          <a:effectRef idx="2">
-            <a:schemeClr val="accent1"/>
-          </a:effectRef>
-          <a:fontRef idx="minor">
-            <a:schemeClr val="lt1"/>
-          </a:fontRef>
-        </p:style>
-        <p:txBody>
-          <a:bodyPr rtlCol="0" anchor="ctr"/>
-          <a:lstStyle/>
-          <a:p>
-            <a:pPr algn="ctr"/>
-            <a:endParaRPr lang="en-US"/>
-          </a:p>
-        </p:txBody>
-      </p:sp>
-    </p:spTree>
-    <p:extLst>
-      <p:ext uri="{BB962C8B-B14F-4D97-AF65-F5344CB8AC3E}">
-        <p14:creationId xmlns:p14="http://schemas.microsoft.com/office/powerpoint/2010/main" val="3189399104"/>
-      </p:ext>
-    </p:extLst>
-  </p:cSld>
-  <p:clrMapOvr>
-    <a:masterClrMapping/>
-  </p:clrMapOvr>
-  <p:timing>
-    <p:tnLst>
-      <p:par>
-        <p:cTn xmlns:p14="http://schemas.microsoft.com/office/powerpoint/2010/main" id="1" dur="indefinite" restart="never" nodeType="tmRoot"/>
-      </p:par>
-    </p:tnLst>
-  </p:timing>
-</p:sld>
-</file>
-
-<file path=ppt/slides/slide9.xml><?xml version="1.0" encoding="utf-8"?>
-<p:sld xmlns:a="http://schemas.openxmlformats.org/drawingml/2006/main" xmlns:r="http://schemas.openxmlformats.org/officeDocument/2006/relationships" xmlns:p="http://schemas.openxmlformats.org/presentationml/2006/main">
-  <p:cSld>
-    <p:spTree>
-      <p:nvGrpSpPr>
-        <p:cNvPr id="1" name=""/>
-        <p:cNvGrpSpPr/>
-        <p:nvPr/>
-      </p:nvGrpSpPr>
-      <p:grpSpPr>
-        <a:xfrm>
-          <a:off x="0" y="0"/>
-          <a:ext cx="0" cy="0"/>
-          <a:chOff x="0" y="0"/>
-          <a:chExt cx="0" cy="0"/>
-        </a:xfrm>
-      </p:grpSpPr>
-      <p:sp>
-        <p:nvSpPr>
-          <p:cNvPr id="2" name="Subtitle 1"/>
-          <p:cNvSpPr>
-            <a:spLocks noGrp="1"/>
-          </p:cNvSpPr>
-          <p:nvPr>
-            <p:ph type="subTitle" idx="1"/>
-          </p:nvPr>
-        </p:nvSpPr>
-        <p:spPr/>
-        <p:txBody>
-          <a:bodyPr>
-            <a:normAutofit lnSpcReduction="10000"/>
-          </a:bodyPr>
-          <a:lstStyle/>
-          <a:p>
-            <a:r>
-              <a:rPr lang="en-US" dirty="0" smtClean="0"/>
-              <a:t>Price dominates explaining scores!</a:t>
-            </a:r>
-            <a:endParaRPr lang="en-US" dirty="0"/>
-          </a:p>
-        </p:txBody>
-      </p:sp>
-      <p:sp>
-        <p:nvSpPr>
-          <p:cNvPr id="3" name="Title 2"/>
-          <p:cNvSpPr>
-            <a:spLocks noGrp="1"/>
-          </p:cNvSpPr>
-          <p:nvPr>
-            <p:ph type="ctrTitle"/>
-          </p:nvPr>
-        </p:nvSpPr>
-        <p:spPr/>
-        <p:txBody>
-          <a:bodyPr>
-            <a:normAutofit fontScale="90000"/>
-          </a:bodyPr>
-          <a:lstStyle/>
-          <a:p>
-            <a:r>
-              <a:rPr lang="en-US" dirty="0" smtClean="0"/>
-              <a:t>Step 2: Decision Trees - Regression	</a:t>
-            </a:r>
-            <a:endParaRPr lang="en-US" dirty="0"/>
-          </a:p>
-        </p:txBody>
-      </p:sp>
-      <p:pic>
-        <p:nvPicPr>
-          <p:cNvPr id="6" name="Picture 5" descr="tree_weight.png"/>
-          <p:cNvPicPr>
-            <a:picLocks noChangeAspect="1"/>
-          </p:cNvPicPr>
-          <p:nvPr/>
-        </p:nvPicPr>
-        <p:blipFill rotWithShape="1">
-          <a:blip r:embed="rId2">
-            <a:extLst>
-              <a:ext uri="{28A0092B-C50C-407E-A947-70E740481C1C}">
-                <a14:useLocalDpi xmlns:a14="http://schemas.microsoft.com/office/drawing/2010/main" val="0"/>
-              </a:ext>
-            </a:extLst>
-          </a:blip>
-          <a:srcRect t="4804" r="6947"/>
-          <a:stretch/>
-        </p:blipFill>
-        <p:spPr>
-          <a:xfrm>
-            <a:off x="3880009" y="1501913"/>
-            <a:ext cx="5105235" cy="3481914"/>
-          </a:xfrm>
-          <a:prstGeom prst="rect">
-            <a:avLst/>
-          </a:prstGeom>
-        </p:spPr>
-      </p:pic>
-      <p:sp>
-        <p:nvSpPr>
-          <p:cNvPr id="7" name="Text Placeholder 3"/>
-          <p:cNvSpPr txBox="1">
-            <a:spLocks/>
-          </p:cNvSpPr>
-          <p:nvPr/>
-        </p:nvSpPr>
-        <p:spPr>
-          <a:xfrm>
-            <a:off x="418636" y="1501913"/>
-            <a:ext cx="3320270" cy="3235187"/>
           </a:xfrm>
           <a:prstGeom prst="rect">
             <a:avLst/>
@@ -14569,6 +14123,461 @@
             </a:lvl9pPr>
           </a:lstStyle>
           <a:p>
+            <a:r>
+              <a:rPr lang="en-US" sz="1800" dirty="0" smtClean="0"/>
+              <a:t>Best R</a:t>
+            </a:r>
+            <a:r>
+              <a:rPr lang="en-US" sz="1800" baseline="30000" dirty="0" smtClean="0"/>
+              <a:t>2</a:t>
+            </a:r>
+            <a:r>
+              <a:rPr lang="en-US" sz="1800" dirty="0" smtClean="0"/>
+              <a:t> over validation set is when min. leaf size is 1</a:t>
+            </a:r>
+          </a:p>
+        </p:txBody>
+      </p:sp>
+      <p:sp>
+        <p:nvSpPr>
+          <p:cNvPr id="7" name="Rectangle 6"/>
+          <p:cNvSpPr/>
+          <p:nvPr/>
+        </p:nvSpPr>
+        <p:spPr>
+          <a:xfrm>
+            <a:off x="320493" y="1804017"/>
+            <a:ext cx="8581672" cy="272975"/>
+          </a:xfrm>
+          <a:prstGeom prst="rect">
+            <a:avLst/>
+          </a:prstGeom>
+          <a:noFill/>
+          <a:ln>
+            <a:solidFill>
+              <a:schemeClr val="accent4"/>
+            </a:solidFill>
+          </a:ln>
+        </p:spPr>
+        <p:style>
+          <a:lnRef idx="1">
+            <a:schemeClr val="accent1"/>
+          </a:lnRef>
+          <a:fillRef idx="3">
+            <a:schemeClr val="accent1"/>
+          </a:fillRef>
+          <a:effectRef idx="2">
+            <a:schemeClr val="accent1"/>
+          </a:effectRef>
+          <a:fontRef idx="minor">
+            <a:schemeClr val="lt1"/>
+          </a:fontRef>
+        </p:style>
+        <p:txBody>
+          <a:bodyPr rtlCol="0" anchor="ctr"/>
+          <a:lstStyle/>
+          <a:p>
+            <a:pPr algn="ctr"/>
+            <a:endParaRPr lang="en-US"/>
+          </a:p>
+        </p:txBody>
+      </p:sp>
+      <p:cxnSp>
+        <p:nvCxnSpPr>
+          <p:cNvPr id="8" name="Straight Arrow Connector 7"/>
+          <p:cNvCxnSpPr/>
+          <p:nvPr/>
+        </p:nvCxnSpPr>
+        <p:spPr>
+          <a:xfrm flipV="1">
+            <a:off x="6706291" y="2076992"/>
+            <a:ext cx="0" cy="1269934"/>
+          </a:xfrm>
+          <a:prstGeom prst="straightConnector1">
+            <a:avLst/>
+          </a:prstGeom>
+          <a:ln>
+            <a:solidFill>
+              <a:schemeClr val="accent4"/>
+            </a:solidFill>
+            <a:tailEnd type="arrow"/>
+          </a:ln>
+        </p:spPr>
+        <p:style>
+          <a:lnRef idx="2">
+            <a:schemeClr val="accent1"/>
+          </a:lnRef>
+          <a:fillRef idx="0">
+            <a:schemeClr val="accent1"/>
+          </a:fillRef>
+          <a:effectRef idx="1">
+            <a:schemeClr val="accent1"/>
+          </a:effectRef>
+          <a:fontRef idx="minor">
+            <a:schemeClr val="tx1"/>
+          </a:fontRef>
+        </p:style>
+      </p:cxnSp>
+    </p:spTree>
+    <p:extLst>
+      <p:ext uri="{BB962C8B-B14F-4D97-AF65-F5344CB8AC3E}">
+        <p14:creationId xmlns:p14="http://schemas.microsoft.com/office/powerpoint/2010/main" val="3189399104"/>
+      </p:ext>
+    </p:extLst>
+  </p:cSld>
+  <p:clrMapOvr>
+    <a:masterClrMapping/>
+  </p:clrMapOvr>
+  <p:timing>
+    <p:tnLst>
+      <p:par>
+        <p:cTn xmlns:p14="http://schemas.microsoft.com/office/powerpoint/2010/main" id="1" dur="indefinite" restart="never" nodeType="tmRoot"/>
+      </p:par>
+    </p:tnLst>
+  </p:timing>
+</p:sld>
+</file>
+
+<file path=ppt/slides/slide9.xml><?xml version="1.0" encoding="utf-8"?>
+<p:sld xmlns:a="http://schemas.openxmlformats.org/drawingml/2006/main" xmlns:r="http://schemas.openxmlformats.org/officeDocument/2006/relationships" xmlns:p="http://schemas.openxmlformats.org/presentationml/2006/main">
+  <p:cSld>
+    <p:spTree>
+      <p:nvGrpSpPr>
+        <p:cNvPr id="1" name=""/>
+        <p:cNvGrpSpPr/>
+        <p:nvPr/>
+      </p:nvGrpSpPr>
+      <p:grpSpPr>
+        <a:xfrm>
+          <a:off x="0" y="0"/>
+          <a:ext cx="0" cy="0"/>
+          <a:chOff x="0" y="0"/>
+          <a:chExt cx="0" cy="0"/>
+        </a:xfrm>
+      </p:grpSpPr>
+      <p:sp>
+        <p:nvSpPr>
+          <p:cNvPr id="2" name="Subtitle 1"/>
+          <p:cNvSpPr>
+            <a:spLocks noGrp="1"/>
+          </p:cNvSpPr>
+          <p:nvPr>
+            <p:ph type="subTitle" idx="1"/>
+          </p:nvPr>
+        </p:nvSpPr>
+        <p:spPr/>
+        <p:txBody>
+          <a:bodyPr>
+            <a:normAutofit lnSpcReduction="10000"/>
+          </a:bodyPr>
+          <a:lstStyle/>
+          <a:p>
+            <a:r>
+              <a:rPr lang="en-US" dirty="0" smtClean="0"/>
+              <a:t>Price dominates score prediction!</a:t>
+            </a:r>
+            <a:endParaRPr lang="en-US" dirty="0"/>
+          </a:p>
+        </p:txBody>
+      </p:sp>
+      <p:sp>
+        <p:nvSpPr>
+          <p:cNvPr id="3" name="Title 2"/>
+          <p:cNvSpPr>
+            <a:spLocks noGrp="1"/>
+          </p:cNvSpPr>
+          <p:nvPr>
+            <p:ph type="ctrTitle"/>
+          </p:nvPr>
+        </p:nvSpPr>
+        <p:spPr/>
+        <p:txBody>
+          <a:bodyPr>
+            <a:normAutofit fontScale="90000"/>
+          </a:bodyPr>
+          <a:lstStyle/>
+          <a:p>
+            <a:r>
+              <a:rPr lang="en-US" dirty="0" smtClean="0"/>
+              <a:t>Step 2: Decision Trees - Regression	</a:t>
+            </a:r>
+            <a:endParaRPr lang="en-US" dirty="0"/>
+          </a:p>
+        </p:txBody>
+      </p:sp>
+      <p:pic>
+        <p:nvPicPr>
+          <p:cNvPr id="6" name="Picture 5" descr="tree_weight.png"/>
+          <p:cNvPicPr>
+            <a:picLocks noChangeAspect="1"/>
+          </p:cNvPicPr>
+          <p:nvPr/>
+        </p:nvPicPr>
+        <p:blipFill rotWithShape="1">
+          <a:blip r:embed="rId2">
+            <a:extLst>
+              <a:ext uri="{28A0092B-C50C-407E-A947-70E740481C1C}">
+                <a14:useLocalDpi xmlns:a14="http://schemas.microsoft.com/office/drawing/2010/main" val="0"/>
+              </a:ext>
+            </a:extLst>
+          </a:blip>
+          <a:srcRect t="4804" r="6947"/>
+          <a:stretch/>
+        </p:blipFill>
+        <p:spPr>
+          <a:xfrm>
+            <a:off x="3880009" y="1501913"/>
+            <a:ext cx="5105235" cy="3481914"/>
+          </a:xfrm>
+          <a:prstGeom prst="rect">
+            <a:avLst/>
+          </a:prstGeom>
+        </p:spPr>
+      </p:pic>
+      <p:sp>
+        <p:nvSpPr>
+          <p:cNvPr id="7" name="Text Placeholder 3"/>
+          <p:cNvSpPr txBox="1">
+            <a:spLocks/>
+          </p:cNvSpPr>
+          <p:nvPr/>
+        </p:nvSpPr>
+        <p:spPr>
+          <a:xfrm>
+            <a:off x="418636" y="1501913"/>
+            <a:ext cx="3320270" cy="3235187"/>
+          </a:xfrm>
+          <a:prstGeom prst="rect">
+            <a:avLst/>
+          </a:prstGeom>
+        </p:spPr>
+        <p:txBody>
+          <a:bodyPr vert="horz" lIns="91440" tIns="45720" rIns="91440" bIns="45720" rtlCol="0">
+            <a:normAutofit/>
+          </a:bodyPr>
+          <a:lstStyle>
+            <a:lvl1pPr marL="454025" indent="-454025" algn="l" defTabSz="914400" rtl="0" eaLnBrk="1" latinLnBrk="0" hangingPunct="1">
+              <a:spcBef>
+                <a:spcPts val="2000"/>
+              </a:spcBef>
+              <a:buClr>
+                <a:schemeClr val="bg1">
+                  <a:lumMod val="65000"/>
+                </a:schemeClr>
+              </a:buClr>
+              <a:buSzPct val="90000"/>
+              <a:buFont typeface="Wingdings" pitchFamily="2" charset="2"/>
+              <a:buChar char=""/>
+              <a:defRPr sz="2400" kern="1200">
+                <a:solidFill>
+                  <a:schemeClr val="tx1">
+                    <a:lumMod val="85000"/>
+                    <a:lumOff val="15000"/>
+                  </a:schemeClr>
+                </a:solidFill>
+                <a:latin typeface="+mn-lt"/>
+                <a:ea typeface="+mn-ea"/>
+                <a:cs typeface="+mn-cs"/>
+              </a:defRPr>
+            </a:lvl1pPr>
+            <a:lvl2pPr marL="914400" indent="-457200" algn="l" defTabSz="914400" rtl="0" eaLnBrk="1" latinLnBrk="0" hangingPunct="1">
+              <a:spcBef>
+                <a:spcPts val="600"/>
+              </a:spcBef>
+              <a:buClr>
+                <a:schemeClr val="tx1">
+                  <a:lumMod val="75000"/>
+                  <a:lumOff val="25000"/>
+                </a:schemeClr>
+              </a:buClr>
+              <a:buSzPct val="90000"/>
+              <a:buFont typeface="Wingdings" pitchFamily="2" charset="2"/>
+              <a:buChar char=""/>
+              <a:defRPr sz="2200" kern="1200">
+                <a:solidFill>
+                  <a:schemeClr val="tx1">
+                    <a:lumMod val="85000"/>
+                    <a:lumOff val="15000"/>
+                  </a:schemeClr>
+                </a:solidFill>
+                <a:latin typeface="+mn-lt"/>
+                <a:ea typeface="+mn-ea"/>
+                <a:cs typeface="+mn-cs"/>
+              </a:defRPr>
+            </a:lvl2pPr>
+            <a:lvl3pPr marL="1260475" indent="-346075" algn="l" defTabSz="914400" rtl="0" eaLnBrk="1" latinLnBrk="0" hangingPunct="1">
+              <a:spcBef>
+                <a:spcPts val="600"/>
+              </a:spcBef>
+              <a:buClr>
+                <a:schemeClr val="bg1">
+                  <a:lumMod val="65000"/>
+                </a:schemeClr>
+              </a:buClr>
+              <a:buSzPct val="90000"/>
+              <a:buFont typeface="Wingdings" pitchFamily="2" charset="2"/>
+              <a:buChar char=""/>
+              <a:defRPr sz="2000" kern="1200">
+                <a:solidFill>
+                  <a:schemeClr val="tx1">
+                    <a:lumMod val="85000"/>
+                    <a:lumOff val="15000"/>
+                  </a:schemeClr>
+                </a:solidFill>
+                <a:latin typeface="+mn-lt"/>
+                <a:ea typeface="+mn-ea"/>
+                <a:cs typeface="+mn-cs"/>
+              </a:defRPr>
+            </a:lvl3pPr>
+            <a:lvl4pPr marL="1600200" indent="-339725" algn="l" defTabSz="914400" rtl="0" eaLnBrk="1" latinLnBrk="0" hangingPunct="1">
+              <a:spcBef>
+                <a:spcPts val="600"/>
+              </a:spcBef>
+              <a:buClr>
+                <a:schemeClr val="tx1">
+                  <a:lumMod val="75000"/>
+                  <a:lumOff val="25000"/>
+                </a:schemeClr>
+              </a:buClr>
+              <a:buSzPct val="90000"/>
+              <a:buFont typeface="Wingdings" pitchFamily="2" charset="2"/>
+              <a:buChar char=""/>
+              <a:defRPr sz="1800" kern="1200">
+                <a:solidFill>
+                  <a:schemeClr val="tx1">
+                    <a:lumMod val="85000"/>
+                    <a:lumOff val="15000"/>
+                  </a:schemeClr>
+                </a:solidFill>
+                <a:latin typeface="+mn-lt"/>
+                <a:ea typeface="+mn-ea"/>
+                <a:cs typeface="+mn-cs"/>
+              </a:defRPr>
+            </a:lvl4pPr>
+            <a:lvl5pPr marL="1939925" indent="-331788" algn="l" defTabSz="914400" rtl="0" eaLnBrk="1" latinLnBrk="0" hangingPunct="1">
+              <a:spcBef>
+                <a:spcPts val="600"/>
+              </a:spcBef>
+              <a:buClr>
+                <a:schemeClr val="bg1">
+                  <a:lumMod val="65000"/>
+                </a:schemeClr>
+              </a:buClr>
+              <a:buSzPct val="90000"/>
+              <a:buFont typeface="Wingdings" pitchFamily="2" charset="2"/>
+              <a:buChar char=""/>
+              <a:defRPr sz="1800" kern="1200">
+                <a:solidFill>
+                  <a:schemeClr val="tx1">
+                    <a:lumMod val="85000"/>
+                    <a:lumOff val="15000"/>
+                  </a:schemeClr>
+                </a:solidFill>
+                <a:latin typeface="+mn-lt"/>
+                <a:ea typeface="+mn-ea"/>
+                <a:cs typeface="+mn-cs"/>
+              </a:defRPr>
+            </a:lvl5pPr>
+            <a:lvl6pPr marL="2290763" indent="-344488" algn="l" defTabSz="914400" rtl="0" eaLnBrk="1" latinLnBrk="0" hangingPunct="1">
+              <a:spcBef>
+                <a:spcPts val="600"/>
+              </a:spcBef>
+              <a:buClr>
+                <a:schemeClr val="tx1">
+                  <a:lumMod val="75000"/>
+                  <a:lumOff val="25000"/>
+                </a:schemeClr>
+              </a:buClr>
+              <a:buSzPct val="90000"/>
+              <a:buFont typeface="Wingdings" pitchFamily="2" charset="2"/>
+              <a:buChar char=""/>
+              <a:defRPr lang="en-US" sz="1800" kern="1200" dirty="0" smtClean="0">
+                <a:solidFill>
+                  <a:schemeClr val="tx1">
+                    <a:lumMod val="85000"/>
+                    <a:lumOff val="15000"/>
+                  </a:schemeClr>
+                </a:solidFill>
+                <a:latin typeface="+mn-lt"/>
+                <a:ea typeface="+mn-ea"/>
+                <a:cs typeface="+mn-cs"/>
+              </a:defRPr>
+            </a:lvl6pPr>
+            <a:lvl7pPr marL="2625725" indent="-344488" algn="l" defTabSz="914400" rtl="0" eaLnBrk="1" latinLnBrk="0" hangingPunct="1">
+              <a:spcBef>
+                <a:spcPts val="600"/>
+              </a:spcBef>
+              <a:buClr>
+                <a:schemeClr val="bg1">
+                  <a:lumMod val="65000"/>
+                </a:schemeClr>
+              </a:buClr>
+              <a:buSzPct val="90000"/>
+              <a:buFont typeface="Wingdings" pitchFamily="2" charset="2"/>
+              <a:buChar char=""/>
+              <a:defRPr lang="en-US" sz="1800" kern="1200" dirty="0" smtClean="0">
+                <a:solidFill>
+                  <a:schemeClr val="tx1">
+                    <a:lumMod val="85000"/>
+                    <a:lumOff val="15000"/>
+                  </a:schemeClr>
+                </a:solidFill>
+                <a:latin typeface="+mn-lt"/>
+                <a:ea typeface="+mn-ea"/>
+                <a:cs typeface="+mn-cs"/>
+              </a:defRPr>
+            </a:lvl7pPr>
+            <a:lvl8pPr marL="2970213" indent="-344488" algn="l" defTabSz="914400" rtl="0" eaLnBrk="1" latinLnBrk="0" hangingPunct="1">
+              <a:spcBef>
+                <a:spcPts val="600"/>
+              </a:spcBef>
+              <a:buClr>
+                <a:schemeClr val="tx1">
+                  <a:lumMod val="75000"/>
+                  <a:lumOff val="25000"/>
+                </a:schemeClr>
+              </a:buClr>
+              <a:buSzPct val="90000"/>
+              <a:buFont typeface="Wingdings" pitchFamily="2" charset="2"/>
+              <a:buChar char=""/>
+              <a:defRPr lang="en-US" sz="1800" kern="1200" dirty="0" smtClean="0">
+                <a:solidFill>
+                  <a:schemeClr val="tx1">
+                    <a:lumMod val="85000"/>
+                    <a:lumOff val="15000"/>
+                  </a:schemeClr>
+                </a:solidFill>
+                <a:latin typeface="+mn-lt"/>
+                <a:ea typeface="+mn-ea"/>
+                <a:cs typeface="+mn-cs"/>
+              </a:defRPr>
+            </a:lvl8pPr>
+            <a:lvl9pPr marL="3313113" indent="-344488" algn="l" defTabSz="914400" rtl="0" eaLnBrk="1" latinLnBrk="0" hangingPunct="1">
+              <a:spcBef>
+                <a:spcPts val="600"/>
+              </a:spcBef>
+              <a:buClr>
+                <a:schemeClr val="bg1">
+                  <a:lumMod val="65000"/>
+                </a:schemeClr>
+              </a:buClr>
+              <a:buSzPct val="90000"/>
+              <a:buFont typeface="Wingdings" pitchFamily="2" charset="2"/>
+              <a:buChar char=""/>
+              <a:defRPr lang="en-US" sz="1800" kern="1200" dirty="0">
+                <a:solidFill>
+                  <a:schemeClr val="tx1">
+                    <a:lumMod val="85000"/>
+                    <a:lumOff val="15000"/>
+                  </a:schemeClr>
+                </a:solidFill>
+                <a:latin typeface="+mn-lt"/>
+                <a:ea typeface="+mn-ea"/>
+                <a:cs typeface="+mn-cs"/>
+              </a:defRPr>
+            </a:lvl9pPr>
+          </a:lstStyle>
+          <a:p>
             <a:pPr marL="0" indent="0">
               <a:buNone/>
             </a:pPr>
@@ -14628,9 +14637,6 @@
               <a:rPr lang="en-US" sz="1600" dirty="0" smtClean="0"/>
               <a:t> best = US with 0.02</a:t>
             </a:r>
-          </a:p>
-          <a:p>
-            <a:pPr lvl="1"/>
             <a:endParaRPr lang="en-US" sz="1600" dirty="0"/>
           </a:p>
           <a:p>
@@ -14642,7 +14648,13 @@
               <a:rPr lang="en-US" sz="1800" dirty="0" smtClean="0">
                 <a:sym typeface="Wingdings"/>
               </a:rPr>
-              <a:t></a:t>
+              <a:t> This confirms what we saw </a:t>
+            </a:r>
+            <a:r>
+              <a:rPr lang="en-US" sz="1800" dirty="0" smtClean="0">
+                <a:sym typeface="Wingdings"/>
+              </a:rPr>
+              <a:t>in in the box plots</a:t>
             </a:r>
             <a:endParaRPr lang="en-US" sz="1800" dirty="0" smtClean="0"/>
           </a:p>
